--- a/403 Final presentation.pptx
+++ b/403 Final presentation.pptx
@@ -9,17 +9,23 @@
     <p:sldId id="257" r:id="rId3"/>
     <p:sldId id="258" r:id="rId4"/>
     <p:sldId id="259" r:id="rId5"/>
-    <p:sldId id="260" r:id="rId6"/>
-    <p:sldId id="262" r:id="rId7"/>
-    <p:sldId id="263" r:id="rId8"/>
-    <p:sldId id="264" r:id="rId9"/>
-    <p:sldId id="265" r:id="rId10"/>
-    <p:sldId id="266" r:id="rId11"/>
-    <p:sldId id="267" r:id="rId12"/>
-    <p:sldId id="270" r:id="rId13"/>
-    <p:sldId id="268" r:id="rId14"/>
-    <p:sldId id="269" r:id="rId15"/>
-    <p:sldId id="261" r:id="rId16"/>
+    <p:sldId id="272" r:id="rId6"/>
+    <p:sldId id="273" r:id="rId7"/>
+    <p:sldId id="274" r:id="rId8"/>
+    <p:sldId id="275" r:id="rId9"/>
+    <p:sldId id="276" r:id="rId10"/>
+    <p:sldId id="277" r:id="rId11"/>
+    <p:sldId id="260" r:id="rId12"/>
+    <p:sldId id="262" r:id="rId13"/>
+    <p:sldId id="263" r:id="rId14"/>
+    <p:sldId id="264" r:id="rId15"/>
+    <p:sldId id="265" r:id="rId16"/>
+    <p:sldId id="266" r:id="rId17"/>
+    <p:sldId id="267" r:id="rId18"/>
+    <p:sldId id="270" r:id="rId19"/>
+    <p:sldId id="268" r:id="rId20"/>
+    <p:sldId id="269" r:id="rId21"/>
+    <p:sldId id="261" r:id="rId22"/>
   </p:sldIdLst>
   <p:sldSz cx="12192000" cy="6858000"/>
   <p:notesSz cx="6858000" cy="9144000"/>
@@ -120,7 +126,18 @@
   </p:defaultTextStyle>
   <p:extLst>
     <p:ext uri="{EFAFB233-063F-42B5-8137-9DF3F51BA10A}">
-      <p15:sldGuideLst xmlns:p15="http://schemas.microsoft.com/office/powerpoint/2012/main" xmlns=""/>
+      <p15:sldGuideLst xmlns:p15="http://schemas.microsoft.com/office/powerpoint/2012/main">
+        <p15:guide id="1" orient="horz" pos="2160">
+          <p15:clr>
+            <a:srgbClr val="A4A3A4"/>
+          </p15:clr>
+        </p15:guide>
+        <p15:guide id="2" pos="3840">
+          <p15:clr>
+            <a:srgbClr val="A4A3A4"/>
+          </p15:clr>
+        </p15:guide>
+      </p15:sldGuideLst>
     </p:ext>
   </p:extLst>
 </p:presentation>
@@ -259,7 +276,7 @@
           <a:p>
             <a:fld id="{DCCDA5F9-03E5-4738-AB34-94CDE1B2BED0}" type="datetimeFigureOut">
               <a:rPr lang="en-US" smtClean="0"/>
-              <a:t>5/6/2015</a:t>
+              <a:t>5/7/2015</a:t>
             </a:fld>
             <a:endParaRPr lang="en-US"/>
           </a:p>
@@ -546,7 +563,7 @@
           <a:p>
             <a:fld id="{DCCDA5F9-03E5-4738-AB34-94CDE1B2BED0}" type="datetimeFigureOut">
               <a:rPr lang="en-US" smtClean="0"/>
-              <a:t>5/6/2015</a:t>
+              <a:t>5/7/2015</a:t>
             </a:fld>
             <a:endParaRPr lang="en-US"/>
           </a:p>
@@ -738,7 +755,7 @@
           <a:p>
             <a:fld id="{DCCDA5F9-03E5-4738-AB34-94CDE1B2BED0}" type="datetimeFigureOut">
               <a:rPr lang="en-US" smtClean="0"/>
-              <a:t>5/6/2015</a:t>
+              <a:t>5/7/2015</a:t>
             </a:fld>
             <a:endParaRPr lang="en-US"/>
           </a:p>
@@ -999,7 +1016,7 @@
           <a:p>
             <a:fld id="{DCCDA5F9-03E5-4738-AB34-94CDE1B2BED0}" type="datetimeFigureOut">
               <a:rPr lang="en-US" smtClean="0"/>
-              <a:t>5/6/2015</a:t>
+              <a:t>5/7/2015</a:t>
             </a:fld>
             <a:endParaRPr lang="en-US"/>
           </a:p>
@@ -1423,7 +1440,7 @@
           <a:p>
             <a:fld id="{DCCDA5F9-03E5-4738-AB34-94CDE1B2BED0}" type="datetimeFigureOut">
               <a:rPr lang="en-US" smtClean="0"/>
-              <a:t>5/6/2015</a:t>
+              <a:t>5/7/2015</a:t>
             </a:fld>
             <a:endParaRPr lang="en-US"/>
           </a:p>
@@ -1969,7 +1986,7 @@
           <a:p>
             <a:fld id="{DCCDA5F9-03E5-4738-AB34-94CDE1B2BED0}" type="datetimeFigureOut">
               <a:rPr lang="en-US" smtClean="0"/>
-              <a:t>5/6/2015</a:t>
+              <a:t>5/7/2015</a:t>
             </a:fld>
             <a:endParaRPr lang="en-US"/>
           </a:p>
@@ -2809,7 +2826,7 @@
           <a:p>
             <a:fld id="{DCCDA5F9-03E5-4738-AB34-94CDE1B2BED0}" type="datetimeFigureOut">
               <a:rPr lang="en-US" smtClean="0"/>
-              <a:t>5/6/2015</a:t>
+              <a:t>5/7/2015</a:t>
             </a:fld>
             <a:endParaRPr lang="en-US"/>
           </a:p>
@@ -2979,7 +2996,7 @@
           <a:p>
             <a:fld id="{DCCDA5F9-03E5-4738-AB34-94CDE1B2BED0}" type="datetimeFigureOut">
               <a:rPr lang="en-US" smtClean="0"/>
-              <a:t>5/6/2015</a:t>
+              <a:t>5/7/2015</a:t>
             </a:fld>
             <a:endParaRPr lang="en-US"/>
           </a:p>
@@ -3163,7 +3180,7 @@
           <a:p>
             <a:fld id="{DCCDA5F9-03E5-4738-AB34-94CDE1B2BED0}" type="datetimeFigureOut">
               <a:rPr lang="en-US" smtClean="0"/>
-              <a:t>5/6/2015</a:t>
+              <a:t>5/7/2015</a:t>
             </a:fld>
             <a:endParaRPr lang="en-US"/>
           </a:p>
@@ -3333,7 +3350,7 @@
           <a:p>
             <a:fld id="{DCCDA5F9-03E5-4738-AB34-94CDE1B2BED0}" type="datetimeFigureOut">
               <a:rPr lang="en-US" smtClean="0"/>
-              <a:t>5/6/2015</a:t>
+              <a:t>5/7/2015</a:t>
             </a:fld>
             <a:endParaRPr lang="en-US"/>
           </a:p>
@@ -3581,7 +3598,7 @@
           <a:p>
             <a:fld id="{DCCDA5F9-03E5-4738-AB34-94CDE1B2BED0}" type="datetimeFigureOut">
               <a:rPr lang="en-US" smtClean="0"/>
-              <a:t>5/6/2015</a:t>
+              <a:t>5/7/2015</a:t>
             </a:fld>
             <a:endParaRPr lang="en-US"/>
           </a:p>
@@ -3818,7 +3835,7 @@
           <a:p>
             <a:fld id="{DCCDA5F9-03E5-4738-AB34-94CDE1B2BED0}" type="datetimeFigureOut">
               <a:rPr lang="en-US" smtClean="0"/>
-              <a:t>5/6/2015</a:t>
+              <a:t>5/7/2015</a:t>
             </a:fld>
             <a:endParaRPr lang="en-US"/>
           </a:p>
@@ -4191,7 +4208,7 @@
           <a:p>
             <a:fld id="{DCCDA5F9-03E5-4738-AB34-94CDE1B2BED0}" type="datetimeFigureOut">
               <a:rPr lang="en-US" smtClean="0"/>
-              <a:t>5/6/2015</a:t>
+              <a:t>5/7/2015</a:t>
             </a:fld>
             <a:endParaRPr lang="en-US"/>
           </a:p>
@@ -4309,7 +4326,7 @@
           <a:p>
             <a:fld id="{DCCDA5F9-03E5-4738-AB34-94CDE1B2BED0}" type="datetimeFigureOut">
               <a:rPr lang="en-US" smtClean="0"/>
-              <a:t>5/6/2015</a:t>
+              <a:t>5/7/2015</a:t>
             </a:fld>
             <a:endParaRPr lang="en-US"/>
           </a:p>
@@ -4404,7 +4421,7 @@
           <a:p>
             <a:fld id="{DCCDA5F9-03E5-4738-AB34-94CDE1B2BED0}" type="datetimeFigureOut">
               <a:rPr lang="en-US" smtClean="0"/>
-              <a:t>5/6/2015</a:t>
+              <a:t>5/7/2015</a:t>
             </a:fld>
             <a:endParaRPr lang="en-US"/>
           </a:p>
@@ -4655,7 +4672,7 @@
           <a:p>
             <a:fld id="{DCCDA5F9-03E5-4738-AB34-94CDE1B2BED0}" type="datetimeFigureOut">
               <a:rPr lang="en-US" smtClean="0"/>
-              <a:t>5/6/2015</a:t>
+              <a:t>5/7/2015</a:t>
             </a:fld>
             <a:endParaRPr lang="en-US"/>
           </a:p>
@@ -4942,7 +4959,7 @@
           <a:p>
             <a:fld id="{DCCDA5F9-03E5-4738-AB34-94CDE1B2BED0}" type="datetimeFigureOut">
               <a:rPr lang="en-US" smtClean="0"/>
-              <a:t>5/6/2015</a:t>
+              <a:t>5/7/2015</a:t>
             </a:fld>
             <a:endParaRPr lang="en-US"/>
           </a:p>
@@ -5155,7 +5172,7 @@
           <a:p>
             <a:fld id="{DCCDA5F9-03E5-4738-AB34-94CDE1B2BED0}" type="datetimeFigureOut">
               <a:rPr lang="en-US" smtClean="0"/>
-              <a:t>5/6/2015</a:t>
+              <a:t>5/7/2015</a:t>
             </a:fld>
             <a:endParaRPr lang="en-US"/>
           </a:p>
@@ -5747,6 +5764,881 @@
           <a:lstStyle/>
           <a:p>
             <a:r>
+              <a:rPr lang="en-US" dirty="0" smtClean="0"/>
+              <a:t>Design and Testing Options</a:t>
+            </a:r>
+            <a:endParaRPr lang="en-US" dirty="0"/>
+          </a:p>
+        </p:txBody>
+      </p:sp>
+      <p:sp>
+        <p:nvSpPr>
+          <p:cNvPr id="3" name="Content Placeholder 2"/>
+          <p:cNvSpPr>
+            <a:spLocks noGrp="1"/>
+          </p:cNvSpPr>
+          <p:nvPr>
+            <p:ph idx="1"/>
+          </p:nvPr>
+        </p:nvSpPr>
+        <p:spPr>
+          <a:xfrm>
+            <a:off x="646111" y="1591599"/>
+            <a:ext cx="8946541" cy="4195481"/>
+          </a:xfrm>
+        </p:spPr>
+        <p:txBody>
+          <a:bodyPr>
+            <a:normAutofit fontScale="92500" lnSpcReduction="20000"/>
+          </a:bodyPr>
+          <a:lstStyle/>
+          <a:p>
+            <a:r>
+              <a:rPr lang="en-US" dirty="0" smtClean="0"/>
+              <a:t>Controlled conditions</a:t>
+            </a:r>
+          </a:p>
+          <a:p>
+            <a:pPr lvl="1"/>
+            <a:r>
+              <a:rPr lang="en-US" dirty="0" smtClean="0"/>
+              <a:t>Perfect light</a:t>
+            </a:r>
+          </a:p>
+          <a:p>
+            <a:pPr lvl="1"/>
+            <a:r>
+              <a:rPr lang="en-US" dirty="0" smtClean="0"/>
+              <a:t>Background</a:t>
+            </a:r>
+          </a:p>
+          <a:p>
+            <a:pPr lvl="1"/>
+            <a:r>
+              <a:rPr lang="en-US" dirty="0" smtClean="0"/>
+              <a:t>Color of object</a:t>
+            </a:r>
+            <a:br>
+              <a:rPr lang="en-US" dirty="0" smtClean="0"/>
+            </a:br>
+            <a:endParaRPr lang="en-US" dirty="0"/>
+          </a:p>
+          <a:p>
+            <a:r>
+              <a:rPr lang="en-US" dirty="0" smtClean="0"/>
+              <a:t>Testing RGB vs. HSV</a:t>
+            </a:r>
+            <a:endParaRPr lang="en-US" dirty="0"/>
+          </a:p>
+          <a:p>
+            <a:pPr lvl="1"/>
+            <a:r>
+              <a:rPr lang="en-US" dirty="0" smtClean="0"/>
+              <a:t>Histograms = Map of image in pixel values</a:t>
+            </a:r>
+            <a:br>
+              <a:rPr lang="en-US" dirty="0" smtClean="0"/>
+            </a:br>
+            <a:endParaRPr lang="en-US" dirty="0" smtClean="0"/>
+          </a:p>
+          <a:p>
+            <a:r>
+              <a:rPr lang="en-US" dirty="0" smtClean="0"/>
+              <a:t>Testing Object Tracking through the use of visual effects.</a:t>
+            </a:r>
+          </a:p>
+          <a:p>
+            <a:pPr lvl="1"/>
+            <a:r>
+              <a:rPr lang="en-US" dirty="0" smtClean="0"/>
+              <a:t>Set color scheme to gray scale to perfect object detection.</a:t>
+            </a:r>
+            <a:br>
+              <a:rPr lang="en-US" dirty="0" smtClean="0"/>
+            </a:br>
+            <a:endParaRPr lang="en-US" dirty="0" smtClean="0"/>
+          </a:p>
+          <a:p>
+            <a:r>
+              <a:rPr lang="en-US" dirty="0" smtClean="0"/>
+              <a:t>Saving Coordinates of objects to text file</a:t>
+            </a:r>
+          </a:p>
+          <a:p>
+            <a:pPr lvl="1"/>
+            <a:endParaRPr lang="en-US" dirty="0" smtClean="0"/>
+          </a:p>
+        </p:txBody>
+      </p:sp>
+    </p:spTree>
+    <p:extLst>
+      <p:ext uri="{BB962C8B-B14F-4D97-AF65-F5344CB8AC3E}">
+        <p14:creationId xmlns:p14="http://schemas.microsoft.com/office/powerpoint/2010/main" val="420251302"/>
+      </p:ext>
+    </p:extLst>
+  </p:cSld>
+  <p:clrMapOvr>
+    <a:masterClrMapping/>
+  </p:clrMapOvr>
+  <p:timing>
+    <p:tnLst>
+      <p:par>
+        <p:cTn id="1" dur="indefinite" restart="never" nodeType="tmRoot"/>
+      </p:par>
+    </p:tnLst>
+  </p:timing>
+</p:sld>
+</file>
+
+<file path=ppt/slides/slide11.xml><?xml version="1.0" encoding="utf-8"?>
+<p:sld xmlns:a="http://schemas.openxmlformats.org/drawingml/2006/main" xmlns:r="http://schemas.openxmlformats.org/officeDocument/2006/relationships" xmlns:p="http://schemas.openxmlformats.org/presentationml/2006/main">
+  <p:cSld>
+    <p:spTree>
+      <p:nvGrpSpPr>
+        <p:cNvPr id="1" name=""/>
+        <p:cNvGrpSpPr/>
+        <p:nvPr/>
+      </p:nvGrpSpPr>
+      <p:grpSpPr>
+        <a:xfrm>
+          <a:off x="0" y="0"/>
+          <a:ext cx="0" cy="0"/>
+          <a:chOff x="0" y="0"/>
+          <a:chExt cx="0" cy="0"/>
+        </a:xfrm>
+      </p:grpSpPr>
+      <p:sp>
+        <p:nvSpPr>
+          <p:cNvPr id="4" name="Title 3"/>
+          <p:cNvSpPr>
+            <a:spLocks noGrp="1"/>
+          </p:cNvSpPr>
+          <p:nvPr>
+            <p:ph type="title"/>
+          </p:nvPr>
+        </p:nvSpPr>
+        <p:spPr/>
+        <p:txBody>
+          <a:bodyPr/>
+          <a:lstStyle/>
+          <a:p>
+            <a:r>
+              <a:rPr lang="en-US" dirty="0" smtClean="0"/>
+              <a:t>Technical content</a:t>
+            </a:r>
+            <a:endParaRPr lang="en-US" dirty="0"/>
+          </a:p>
+        </p:txBody>
+      </p:sp>
+      <p:sp>
+        <p:nvSpPr>
+          <p:cNvPr id="5" name="Text Placeholder 4"/>
+          <p:cNvSpPr>
+            <a:spLocks noGrp="1"/>
+          </p:cNvSpPr>
+          <p:nvPr>
+            <p:ph type="body" idx="1"/>
+          </p:nvPr>
+        </p:nvSpPr>
+        <p:spPr/>
+        <p:txBody>
+          <a:bodyPr/>
+          <a:lstStyle/>
+          <a:p>
+            <a:r>
+              <a:rPr lang="en-US" dirty="0" smtClean="0"/>
+              <a:t>Raspberry Pi Robot</a:t>
+            </a:r>
+            <a:endParaRPr lang="en-US" dirty="0"/>
+          </a:p>
+        </p:txBody>
+      </p:sp>
+    </p:spTree>
+    <p:extLst>
+      <p:ext uri="{BB962C8B-B14F-4D97-AF65-F5344CB8AC3E}">
+        <p14:creationId xmlns:p14="http://schemas.microsoft.com/office/powerpoint/2010/main" val="2649188023"/>
+      </p:ext>
+    </p:extLst>
+  </p:cSld>
+  <p:clrMapOvr>
+    <a:masterClrMapping/>
+  </p:clrMapOvr>
+</p:sld>
+</file>
+
+<file path=ppt/slides/slide12.xml><?xml version="1.0" encoding="utf-8"?>
+<p:sld xmlns:a="http://schemas.openxmlformats.org/drawingml/2006/main" xmlns:r="http://schemas.openxmlformats.org/officeDocument/2006/relationships" xmlns:p="http://schemas.openxmlformats.org/presentationml/2006/main">
+  <p:cSld>
+    <p:spTree>
+      <p:nvGrpSpPr>
+        <p:cNvPr id="1" name=""/>
+        <p:cNvGrpSpPr/>
+        <p:nvPr/>
+      </p:nvGrpSpPr>
+      <p:grpSpPr>
+        <a:xfrm>
+          <a:off x="0" y="0"/>
+          <a:ext cx="0" cy="0"/>
+          <a:chOff x="0" y="0"/>
+          <a:chExt cx="0" cy="0"/>
+        </a:xfrm>
+      </p:grpSpPr>
+      <p:sp>
+        <p:nvSpPr>
+          <p:cNvPr id="4" name="Title 3"/>
+          <p:cNvSpPr>
+            <a:spLocks noGrp="1"/>
+          </p:cNvSpPr>
+          <p:nvPr>
+            <p:ph type="title"/>
+          </p:nvPr>
+        </p:nvSpPr>
+        <p:spPr/>
+        <p:txBody>
+          <a:bodyPr/>
+          <a:lstStyle/>
+          <a:p>
+            <a:r>
+              <a:rPr lang="en-US" dirty="0"/>
+              <a:t>Overview of Robot </a:t>
+            </a:r>
+          </a:p>
+        </p:txBody>
+      </p:sp>
+      <p:sp>
+        <p:nvSpPr>
+          <p:cNvPr id="5" name="Content Placeholder 4"/>
+          <p:cNvSpPr>
+            <a:spLocks noGrp="1"/>
+          </p:cNvSpPr>
+          <p:nvPr>
+            <p:ph idx="1"/>
+          </p:nvPr>
+        </p:nvSpPr>
+        <p:spPr/>
+        <p:txBody>
+          <a:bodyPr/>
+          <a:lstStyle/>
+          <a:p>
+            <a:r>
+              <a:rPr lang="en-US" dirty="0"/>
+              <a:t>The robot has two powered wheels and a third to balance it.</a:t>
+            </a:r>
+          </a:p>
+          <a:p>
+            <a:r>
+              <a:rPr lang="en-US" dirty="0"/>
+              <a:t>Each wheel will be powered by a DC motor.</a:t>
+            </a:r>
+          </a:p>
+          <a:p>
+            <a:r>
+              <a:rPr lang="en-US" dirty="0"/>
+              <a:t>These DC motors will be connected to a couple H-bridges that will allow them to spin both forward and backwards.</a:t>
+            </a:r>
+          </a:p>
+          <a:p>
+            <a:r>
+              <a:rPr lang="en-US" dirty="0"/>
+              <a:t>The movements will be executed by the Pi, with commands sent from a PC.</a:t>
+            </a:r>
+          </a:p>
+          <a:p>
+            <a:r>
+              <a:rPr lang="en-US" dirty="0"/>
+              <a:t>The robot will be completely wireless</a:t>
+            </a:r>
+          </a:p>
+          <a:p>
+            <a:endParaRPr lang="en-US" dirty="0"/>
+          </a:p>
+        </p:txBody>
+      </p:sp>
+    </p:spTree>
+    <p:extLst>
+      <p:ext uri="{BB962C8B-B14F-4D97-AF65-F5344CB8AC3E}">
+        <p14:creationId xmlns:p14="http://schemas.microsoft.com/office/powerpoint/2010/main" val="3217680633"/>
+      </p:ext>
+    </p:extLst>
+  </p:cSld>
+  <p:clrMapOvr>
+    <a:masterClrMapping/>
+  </p:clrMapOvr>
+</p:sld>
+</file>
+
+<file path=ppt/slides/slide13.xml><?xml version="1.0" encoding="utf-8"?>
+<p:sld xmlns:a="http://schemas.openxmlformats.org/drawingml/2006/main" xmlns:r="http://schemas.openxmlformats.org/officeDocument/2006/relationships" xmlns:p="http://schemas.openxmlformats.org/presentationml/2006/main">
+  <p:cSld>
+    <p:spTree>
+      <p:nvGrpSpPr>
+        <p:cNvPr id="1" name=""/>
+        <p:cNvGrpSpPr/>
+        <p:nvPr/>
+      </p:nvGrpSpPr>
+      <p:grpSpPr>
+        <a:xfrm>
+          <a:off x="0" y="0"/>
+          <a:ext cx="0" cy="0"/>
+          <a:chOff x="0" y="0"/>
+          <a:chExt cx="0" cy="0"/>
+        </a:xfrm>
+      </p:grpSpPr>
+      <p:sp>
+        <p:nvSpPr>
+          <p:cNvPr id="2" name="Title 1"/>
+          <p:cNvSpPr>
+            <a:spLocks noGrp="1"/>
+          </p:cNvSpPr>
+          <p:nvPr>
+            <p:ph type="title"/>
+          </p:nvPr>
+        </p:nvSpPr>
+        <p:spPr/>
+        <p:txBody>
+          <a:bodyPr/>
+          <a:lstStyle/>
+          <a:p>
+            <a:r>
+              <a:rPr lang="en-US" dirty="0"/>
+              <a:t>Specifics- Motors</a:t>
+            </a:r>
+          </a:p>
+        </p:txBody>
+      </p:sp>
+      <p:sp>
+        <p:nvSpPr>
+          <p:cNvPr id="8" name="Content Placeholder 7"/>
+          <p:cNvSpPr>
+            <a:spLocks noGrp="1"/>
+          </p:cNvSpPr>
+          <p:nvPr>
+            <p:ph sz="half" idx="1"/>
+          </p:nvPr>
+        </p:nvSpPr>
+        <p:spPr/>
+        <p:txBody>
+          <a:bodyPr/>
+          <a:lstStyle/>
+          <a:p>
+            <a:r>
+              <a:rPr lang="en-US" dirty="0"/>
+              <a:t>These DC motors are capable of 200mA for a 6v input</a:t>
+            </a:r>
+          </a:p>
+          <a:p>
+            <a:r>
+              <a:rPr lang="en-US" dirty="0"/>
+              <a:t>They can move .4 Kg/cm</a:t>
+            </a:r>
+          </a:p>
+          <a:p>
+            <a:r>
+              <a:rPr lang="en-US" dirty="0"/>
+              <a:t>The wheels snap right on to the output</a:t>
+            </a:r>
+          </a:p>
+          <a:p>
+            <a:r>
+              <a:rPr lang="en-US" dirty="0"/>
+              <a:t>There is a 1:48 gear ratio</a:t>
+            </a:r>
+          </a:p>
+          <a:p>
+            <a:endParaRPr lang="en-US" dirty="0"/>
+          </a:p>
+        </p:txBody>
+      </p:sp>
+      <p:pic>
+        <p:nvPicPr>
+          <p:cNvPr id="1026" name="Picture 2"/>
+          <p:cNvPicPr>
+            <a:picLocks noGrp="1" noChangeAspect="1" noChangeArrowheads="1"/>
+          </p:cNvPicPr>
+          <p:nvPr>
+            <p:ph sz="half" idx="2"/>
+          </p:nvPr>
+        </p:nvPicPr>
+        <p:blipFill>
+          <a:blip r:embed="rId2">
+            <a:extLst>
+              <a:ext uri="{28A0092B-C50C-407E-A947-70E740481C1C}">
+                <a14:useLocalDpi xmlns:a14="http://schemas.microsoft.com/office/drawing/2010/main" val="0"/>
+              </a:ext>
+            </a:extLst>
+          </a:blip>
+          <a:srcRect/>
+          <a:stretch>
+            <a:fillRect/>
+          </a:stretch>
+        </p:blipFill>
+        <p:spPr bwMode="auto">
+          <a:xfrm>
+            <a:off x="6871906" y="2087563"/>
+            <a:ext cx="3698051" cy="3703637"/>
+          </a:xfrm>
+          <a:prstGeom prst="rect">
+            <a:avLst/>
+          </a:prstGeom>
+          <a:noFill/>
+          <a:ln>
+            <a:noFill/>
+          </a:ln>
+          <a:effectLst/>
+          <a:extLst>
+            <a:ext uri="{909E8E84-426E-40DD-AFC4-6F175D3DCCD1}">
+              <a14:hiddenFill xmlns:a14="http://schemas.microsoft.com/office/drawing/2010/main">
+                <a:solidFill>
+                  <a:schemeClr val="accent1"/>
+                </a:solidFill>
+              </a14:hiddenFill>
+            </a:ext>
+            <a:ext uri="{91240B29-F687-4F45-9708-019B960494DF}">
+              <a14:hiddenLine xmlns:a14="http://schemas.microsoft.com/office/drawing/2010/main" w="9525">
+                <a:solidFill>
+                  <a:schemeClr val="tx1"/>
+                </a:solidFill>
+                <a:miter lim="800000"/>
+                <a:headEnd/>
+                <a:tailEnd/>
+              </a14:hiddenLine>
+            </a:ext>
+            <a:ext uri="{AF507438-7753-43E0-B8FC-AC1667EBCBE1}">
+              <a14:hiddenEffects xmlns:a14="http://schemas.microsoft.com/office/drawing/2010/main">
+                <a:effectLst>
+                  <a:outerShdw dist="35921" dir="2700000" algn="ctr" rotWithShape="0">
+                    <a:schemeClr val="bg2"/>
+                  </a:outerShdw>
+                </a:effectLst>
+              </a14:hiddenEffects>
+            </a:ext>
+          </a:extLst>
+        </p:spPr>
+      </p:pic>
+    </p:spTree>
+    <p:extLst>
+      <p:ext uri="{BB962C8B-B14F-4D97-AF65-F5344CB8AC3E}">
+        <p14:creationId xmlns:p14="http://schemas.microsoft.com/office/powerpoint/2010/main" val="3781372157"/>
+      </p:ext>
+    </p:extLst>
+  </p:cSld>
+  <p:clrMapOvr>
+    <a:masterClrMapping/>
+  </p:clrMapOvr>
+</p:sld>
+</file>
+
+<file path=ppt/slides/slide14.xml><?xml version="1.0" encoding="utf-8"?>
+<p:sld xmlns:a="http://schemas.openxmlformats.org/drawingml/2006/main" xmlns:r="http://schemas.openxmlformats.org/officeDocument/2006/relationships" xmlns:p="http://schemas.openxmlformats.org/presentationml/2006/main">
+  <p:cSld>
+    <p:spTree>
+      <p:nvGrpSpPr>
+        <p:cNvPr id="1" name=""/>
+        <p:cNvGrpSpPr/>
+        <p:nvPr/>
+      </p:nvGrpSpPr>
+      <p:grpSpPr>
+        <a:xfrm>
+          <a:off x="0" y="0"/>
+          <a:ext cx="0" cy="0"/>
+          <a:chOff x="0" y="0"/>
+          <a:chExt cx="0" cy="0"/>
+        </a:xfrm>
+      </p:grpSpPr>
+      <p:sp>
+        <p:nvSpPr>
+          <p:cNvPr id="2" name="Title 1"/>
+          <p:cNvSpPr>
+            <a:spLocks noGrp="1"/>
+          </p:cNvSpPr>
+          <p:nvPr>
+            <p:ph type="title"/>
+          </p:nvPr>
+        </p:nvSpPr>
+        <p:spPr/>
+        <p:txBody>
+          <a:bodyPr/>
+          <a:lstStyle/>
+          <a:p>
+            <a:r>
+              <a:rPr lang="en-US" dirty="0"/>
+              <a:t>Specifics- Raspberry Pi</a:t>
+            </a:r>
+          </a:p>
+        </p:txBody>
+      </p:sp>
+      <p:sp>
+        <p:nvSpPr>
+          <p:cNvPr id="3" name="Content Placeholder 2"/>
+          <p:cNvSpPr>
+            <a:spLocks noGrp="1"/>
+          </p:cNvSpPr>
+          <p:nvPr>
+            <p:ph idx="1"/>
+          </p:nvPr>
+        </p:nvSpPr>
+        <p:spPr/>
+        <p:txBody>
+          <a:bodyPr/>
+          <a:lstStyle/>
+          <a:p>
+            <a:r>
+              <a:rPr lang="en-US" dirty="0"/>
+              <a:t>The robot will be controlled by a Raspberry Pi 2</a:t>
+            </a:r>
+          </a:p>
+          <a:p>
+            <a:r>
+              <a:rPr lang="en-US" dirty="0"/>
+              <a:t>The GPIO pins of the Raspberry Pi will be the way the software will interact with the hardware</a:t>
+            </a:r>
+          </a:p>
+          <a:p>
+            <a:r>
+              <a:rPr lang="en-US" dirty="0"/>
+              <a:t>The Pi will be controlled wirelessly through SSH with a USB Wi-Fi dongle</a:t>
+            </a:r>
+          </a:p>
+          <a:p>
+            <a:endParaRPr lang="en-US" dirty="0"/>
+          </a:p>
+        </p:txBody>
+      </p:sp>
+      <p:pic>
+        <p:nvPicPr>
+          <p:cNvPr id="2050" name="Picture 2"/>
+          <p:cNvPicPr>
+            <a:picLocks noChangeAspect="1" noChangeArrowheads="1"/>
+          </p:cNvPicPr>
+          <p:nvPr/>
+        </p:nvPicPr>
+        <p:blipFill>
+          <a:blip r:embed="rId2">
+            <a:extLst>
+              <a:ext uri="{28A0092B-C50C-407E-A947-70E740481C1C}">
+                <a14:useLocalDpi xmlns:a14="http://schemas.microsoft.com/office/drawing/2010/main" val="0"/>
+              </a:ext>
+            </a:extLst>
+          </a:blip>
+          <a:srcRect/>
+          <a:stretch>
+            <a:fillRect/>
+          </a:stretch>
+        </p:blipFill>
+        <p:spPr bwMode="auto">
+          <a:xfrm>
+            <a:off x="1497933" y="4175763"/>
+            <a:ext cx="2309812" cy="1963737"/>
+          </a:xfrm>
+          <a:prstGeom prst="rect">
+            <a:avLst/>
+          </a:prstGeom>
+          <a:noFill/>
+          <a:ln>
+            <a:noFill/>
+          </a:ln>
+          <a:effectLst/>
+          <a:extLst>
+            <a:ext uri="{909E8E84-426E-40DD-AFC4-6F175D3DCCD1}">
+              <a14:hiddenFill xmlns:a14="http://schemas.microsoft.com/office/drawing/2010/main">
+                <a:solidFill>
+                  <a:schemeClr val="accent1"/>
+                </a:solidFill>
+              </a14:hiddenFill>
+            </a:ext>
+            <a:ext uri="{91240B29-F687-4F45-9708-019B960494DF}">
+              <a14:hiddenLine xmlns:a14="http://schemas.microsoft.com/office/drawing/2010/main" w="9525">
+                <a:solidFill>
+                  <a:schemeClr val="tx1"/>
+                </a:solidFill>
+                <a:miter lim="800000"/>
+                <a:headEnd/>
+                <a:tailEnd/>
+              </a14:hiddenLine>
+            </a:ext>
+            <a:ext uri="{AF507438-7753-43E0-B8FC-AC1667EBCBE1}">
+              <a14:hiddenEffects xmlns:a14="http://schemas.microsoft.com/office/drawing/2010/main">
+                <a:effectLst>
+                  <a:outerShdw dist="35921" dir="2700000" algn="ctr" rotWithShape="0">
+                    <a:schemeClr val="bg2"/>
+                  </a:outerShdw>
+                </a:effectLst>
+              </a14:hiddenEffects>
+            </a:ext>
+          </a:extLst>
+        </p:spPr>
+      </p:pic>
+      <p:pic>
+        <p:nvPicPr>
+          <p:cNvPr id="2051" name="Picture 3"/>
+          <p:cNvPicPr>
+            <a:picLocks noChangeAspect="1" noChangeArrowheads="1"/>
+          </p:cNvPicPr>
+          <p:nvPr/>
+        </p:nvPicPr>
+        <p:blipFill>
+          <a:blip r:embed="rId3">
+            <a:extLst>
+              <a:ext uri="{28A0092B-C50C-407E-A947-70E740481C1C}">
+                <a14:useLocalDpi xmlns:a14="http://schemas.microsoft.com/office/drawing/2010/main" val="0"/>
+              </a:ext>
+            </a:extLst>
+          </a:blip>
+          <a:srcRect/>
+          <a:stretch>
+            <a:fillRect/>
+          </a:stretch>
+        </p:blipFill>
+        <p:spPr bwMode="auto">
+          <a:xfrm>
+            <a:off x="6624830" y="4175763"/>
+            <a:ext cx="3902075" cy="2212975"/>
+          </a:xfrm>
+          <a:prstGeom prst="rect">
+            <a:avLst/>
+          </a:prstGeom>
+          <a:noFill/>
+          <a:ln>
+            <a:noFill/>
+          </a:ln>
+          <a:effectLst/>
+          <a:extLst>
+            <a:ext uri="{909E8E84-426E-40DD-AFC4-6F175D3DCCD1}">
+              <a14:hiddenFill xmlns:a14="http://schemas.microsoft.com/office/drawing/2010/main">
+                <a:solidFill>
+                  <a:schemeClr val="accent1"/>
+                </a:solidFill>
+              </a14:hiddenFill>
+            </a:ext>
+            <a:ext uri="{91240B29-F687-4F45-9708-019B960494DF}">
+              <a14:hiddenLine xmlns:a14="http://schemas.microsoft.com/office/drawing/2010/main" w="9525">
+                <a:solidFill>
+                  <a:schemeClr val="tx1"/>
+                </a:solidFill>
+                <a:miter lim="800000"/>
+                <a:headEnd/>
+                <a:tailEnd/>
+              </a14:hiddenLine>
+            </a:ext>
+            <a:ext uri="{AF507438-7753-43E0-B8FC-AC1667EBCBE1}">
+              <a14:hiddenEffects xmlns:a14="http://schemas.microsoft.com/office/drawing/2010/main">
+                <a:effectLst>
+                  <a:outerShdw dist="35921" dir="2700000" algn="ctr" rotWithShape="0">
+                    <a:schemeClr val="bg2"/>
+                  </a:outerShdw>
+                </a:effectLst>
+              </a14:hiddenEffects>
+            </a:ext>
+          </a:extLst>
+        </p:spPr>
+      </p:pic>
+    </p:spTree>
+    <p:extLst>
+      <p:ext uri="{BB962C8B-B14F-4D97-AF65-F5344CB8AC3E}">
+        <p14:creationId xmlns:p14="http://schemas.microsoft.com/office/powerpoint/2010/main" val="3639831758"/>
+      </p:ext>
+    </p:extLst>
+  </p:cSld>
+  <p:clrMapOvr>
+    <a:masterClrMapping/>
+  </p:clrMapOvr>
+</p:sld>
+</file>
+
+<file path=ppt/slides/slide15.xml><?xml version="1.0" encoding="utf-8"?>
+<p:sld xmlns:a="http://schemas.openxmlformats.org/drawingml/2006/main" xmlns:r="http://schemas.openxmlformats.org/officeDocument/2006/relationships" xmlns:p="http://schemas.openxmlformats.org/presentationml/2006/main">
+  <p:cSld>
+    <p:spTree>
+      <p:nvGrpSpPr>
+        <p:cNvPr id="1" name=""/>
+        <p:cNvGrpSpPr/>
+        <p:nvPr/>
+      </p:nvGrpSpPr>
+      <p:grpSpPr>
+        <a:xfrm>
+          <a:off x="0" y="0"/>
+          <a:ext cx="0" cy="0"/>
+          <a:chOff x="0" y="0"/>
+          <a:chExt cx="0" cy="0"/>
+        </a:xfrm>
+      </p:grpSpPr>
+      <p:sp>
+        <p:nvSpPr>
+          <p:cNvPr id="2" name="Title 1"/>
+          <p:cNvSpPr>
+            <a:spLocks noGrp="1"/>
+          </p:cNvSpPr>
+          <p:nvPr>
+            <p:ph type="title"/>
+          </p:nvPr>
+        </p:nvSpPr>
+        <p:spPr/>
+        <p:txBody>
+          <a:bodyPr/>
+          <a:lstStyle/>
+          <a:p>
+            <a:r>
+              <a:rPr lang="en-US" dirty="0"/>
+              <a:t>Raspberry Pi GPIO </a:t>
+            </a:r>
+          </a:p>
+        </p:txBody>
+      </p:sp>
+      <p:sp>
+        <p:nvSpPr>
+          <p:cNvPr id="4" name="Content Placeholder 3"/>
+          <p:cNvSpPr>
+            <a:spLocks noGrp="1"/>
+          </p:cNvSpPr>
+          <p:nvPr>
+            <p:ph sz="half" idx="1"/>
+          </p:nvPr>
+        </p:nvSpPr>
+        <p:spPr/>
+        <p:txBody>
+          <a:bodyPr/>
+          <a:lstStyle/>
+          <a:p>
+            <a:r>
+              <a:rPr lang="en-US" dirty="0"/>
+              <a:t>The Raspberry Pi is equipped with 40 pins 17 of which are GPIO </a:t>
+            </a:r>
+          </a:p>
+          <a:p>
+            <a:r>
+              <a:rPr lang="en-US" dirty="0"/>
+              <a:t>The motors will be controlled from GPIO pins 17, 18, 22, 23</a:t>
+            </a:r>
+          </a:p>
+          <a:p>
+            <a:r>
+              <a:rPr lang="en-US" dirty="0"/>
+              <a:t>4 pins are needed because 17 and 18 control one motor forward and reverse and 22 and 23 for the other motor</a:t>
+            </a:r>
+          </a:p>
+          <a:p>
+            <a:r>
+              <a:rPr lang="en-US" dirty="0"/>
+              <a:t>The GPIO pins output 3.3v </a:t>
+            </a:r>
+          </a:p>
+          <a:p>
+            <a:endParaRPr lang="en-US" dirty="0"/>
+          </a:p>
+        </p:txBody>
+      </p:sp>
+      <p:pic>
+        <p:nvPicPr>
+          <p:cNvPr id="3074" name="Picture 2"/>
+          <p:cNvPicPr>
+            <a:picLocks noGrp="1" noChangeAspect="1" noChangeArrowheads="1"/>
+          </p:cNvPicPr>
+          <p:nvPr>
+            <p:ph sz="half" idx="2"/>
+          </p:nvPr>
+        </p:nvPicPr>
+        <p:blipFill>
+          <a:blip r:embed="rId2">
+            <a:extLst>
+              <a:ext uri="{28A0092B-C50C-407E-A947-70E740481C1C}">
+                <a14:useLocalDpi xmlns:a14="http://schemas.microsoft.com/office/drawing/2010/main" val="0"/>
+              </a:ext>
+            </a:extLst>
+          </a:blip>
+          <a:srcRect/>
+          <a:stretch>
+            <a:fillRect/>
+          </a:stretch>
+        </p:blipFill>
+        <p:spPr bwMode="auto">
+          <a:xfrm>
+            <a:off x="6578002" y="2378670"/>
+            <a:ext cx="4285859" cy="3121423"/>
+          </a:xfrm>
+          <a:prstGeom prst="rect">
+            <a:avLst/>
+          </a:prstGeom>
+          <a:noFill/>
+          <a:ln>
+            <a:noFill/>
+          </a:ln>
+          <a:effectLst/>
+          <a:extLst>
+            <a:ext uri="{909E8E84-426E-40DD-AFC4-6F175D3DCCD1}">
+              <a14:hiddenFill xmlns:a14="http://schemas.microsoft.com/office/drawing/2010/main">
+                <a:solidFill>
+                  <a:schemeClr val="accent1"/>
+                </a:solidFill>
+              </a14:hiddenFill>
+            </a:ext>
+            <a:ext uri="{91240B29-F687-4F45-9708-019B960494DF}">
+              <a14:hiddenLine xmlns:a14="http://schemas.microsoft.com/office/drawing/2010/main" w="9525">
+                <a:solidFill>
+                  <a:schemeClr val="tx1"/>
+                </a:solidFill>
+                <a:miter lim="800000"/>
+                <a:headEnd/>
+                <a:tailEnd/>
+              </a14:hiddenLine>
+            </a:ext>
+            <a:ext uri="{AF507438-7753-43E0-B8FC-AC1667EBCBE1}">
+              <a14:hiddenEffects xmlns:a14="http://schemas.microsoft.com/office/drawing/2010/main">
+                <a:effectLst>
+                  <a:outerShdw dist="35921" dir="2700000" algn="ctr" rotWithShape="0">
+                    <a:schemeClr val="bg2"/>
+                  </a:outerShdw>
+                </a:effectLst>
+              </a14:hiddenEffects>
+            </a:ext>
+          </a:extLst>
+        </p:spPr>
+      </p:pic>
+    </p:spTree>
+    <p:extLst>
+      <p:ext uri="{BB962C8B-B14F-4D97-AF65-F5344CB8AC3E}">
+        <p14:creationId xmlns:p14="http://schemas.microsoft.com/office/powerpoint/2010/main" val="3823126164"/>
+      </p:ext>
+    </p:extLst>
+  </p:cSld>
+  <p:clrMapOvr>
+    <a:masterClrMapping/>
+  </p:clrMapOvr>
+</p:sld>
+</file>
+
+<file path=ppt/slides/slide16.xml><?xml version="1.0" encoding="utf-8"?>
+<p:sld xmlns:a="http://schemas.openxmlformats.org/drawingml/2006/main" xmlns:r="http://schemas.openxmlformats.org/officeDocument/2006/relationships" xmlns:p="http://schemas.openxmlformats.org/presentationml/2006/main">
+  <p:cSld>
+    <p:spTree>
+      <p:nvGrpSpPr>
+        <p:cNvPr id="1" name=""/>
+        <p:cNvGrpSpPr/>
+        <p:nvPr/>
+      </p:nvGrpSpPr>
+      <p:grpSpPr>
+        <a:xfrm>
+          <a:off x="0" y="0"/>
+          <a:ext cx="0" cy="0"/>
+          <a:chOff x="0" y="0"/>
+          <a:chExt cx="0" cy="0"/>
+        </a:xfrm>
+      </p:grpSpPr>
+      <p:sp>
+        <p:nvSpPr>
+          <p:cNvPr id="2" name="Title 1"/>
+          <p:cNvSpPr>
+            <a:spLocks noGrp="1"/>
+          </p:cNvSpPr>
+          <p:nvPr>
+            <p:ph type="title"/>
+          </p:nvPr>
+        </p:nvSpPr>
+        <p:spPr/>
+        <p:txBody>
+          <a:bodyPr/>
+          <a:lstStyle/>
+          <a:p>
+            <a:r>
               <a:rPr lang="en-US" dirty="0"/>
               <a:t>Ryanteck Motor control board</a:t>
             </a:r>
@@ -5878,7 +6770,7 @@
 </p:sld>
 </file>
 
-<file path=ppt/slides/slide11.xml><?xml version="1.0" encoding="utf-8"?>
+<file path=ppt/slides/slide17.xml><?xml version="1.0" encoding="utf-8"?>
 <p:sld xmlns:a="http://schemas.openxmlformats.org/drawingml/2006/main" xmlns:r="http://schemas.openxmlformats.org/officeDocument/2006/relationships" xmlns:p="http://schemas.openxmlformats.org/presentationml/2006/main">
   <p:cSld>
     <p:spTree>
@@ -5967,7 +6859,7 @@
 </p:sld>
 </file>
 
-<file path=ppt/slides/slide12.xml><?xml version="1.0" encoding="utf-8"?>
+<file path=ppt/slides/slide18.xml><?xml version="1.0" encoding="utf-8"?>
 <p:sld xmlns:a="http://schemas.openxmlformats.org/drawingml/2006/main" xmlns:r="http://schemas.openxmlformats.org/officeDocument/2006/relationships" xmlns:p="http://schemas.openxmlformats.org/presentationml/2006/main">
   <p:cSld>
     <p:spTree>
@@ -6147,7 +7039,7 @@
 </p:sld>
 </file>
 
-<file path=ppt/slides/slide13.xml><?xml version="1.0" encoding="utf-8"?>
+<file path=ppt/slides/slide19.xml><?xml version="1.0" encoding="utf-8"?>
 <p:sld xmlns:a="http://schemas.openxmlformats.org/drawingml/2006/main" xmlns:r="http://schemas.openxmlformats.org/officeDocument/2006/relationships" xmlns:p="http://schemas.openxmlformats.org/presentationml/2006/main">
   <p:cSld>
     <p:spTree>
@@ -6751,171 +7643,6 @@
 </p:sld>
 </file>
 
-<file path=ppt/slides/slide14.xml><?xml version="1.0" encoding="utf-8"?>
-<p:sld xmlns:a="http://schemas.openxmlformats.org/drawingml/2006/main" xmlns:r="http://schemas.openxmlformats.org/officeDocument/2006/relationships" xmlns:p="http://schemas.openxmlformats.org/presentationml/2006/main">
-  <p:cSld>
-    <p:spTree>
-      <p:nvGrpSpPr>
-        <p:cNvPr id="1" name=""/>
-        <p:cNvGrpSpPr/>
-        <p:nvPr/>
-      </p:nvGrpSpPr>
-      <p:grpSpPr>
-        <a:xfrm>
-          <a:off x="0" y="0"/>
-          <a:ext cx="0" cy="0"/>
-          <a:chOff x="0" y="0"/>
-          <a:chExt cx="0" cy="0"/>
-        </a:xfrm>
-      </p:grpSpPr>
-      <p:sp>
-        <p:nvSpPr>
-          <p:cNvPr id="2" name="Title 1"/>
-          <p:cNvSpPr>
-            <a:spLocks noGrp="1"/>
-          </p:cNvSpPr>
-          <p:nvPr>
-            <p:ph type="title"/>
-          </p:nvPr>
-        </p:nvSpPr>
-        <p:spPr/>
-        <p:txBody>
-          <a:bodyPr/>
-          <a:lstStyle/>
-          <a:p>
-            <a:r>
-              <a:rPr lang="en-US" dirty="0"/>
-              <a:t>Wireless Interaction</a:t>
-            </a:r>
-          </a:p>
-        </p:txBody>
-      </p:sp>
-      <p:sp>
-        <p:nvSpPr>
-          <p:cNvPr id="3" name="Content Placeholder 2"/>
-          <p:cNvSpPr>
-            <a:spLocks noGrp="1"/>
-          </p:cNvSpPr>
-          <p:nvPr>
-            <p:ph idx="1"/>
-          </p:nvPr>
-        </p:nvSpPr>
-        <p:spPr/>
-        <p:txBody>
-          <a:bodyPr/>
-          <a:lstStyle/>
-          <a:p>
-            <a:r>
-              <a:rPr lang="en-US" dirty="0"/>
-              <a:t>The Pi needs to be able to receive commands wirelessly.</a:t>
-            </a:r>
-          </a:p>
-          <a:p>
-            <a:r>
-              <a:rPr lang="en-US" dirty="0"/>
-              <a:t>We researched many ways to do this and found a solution that works over the network that both the PC that is sending the commands and the Pi are connected to. </a:t>
-            </a:r>
-          </a:p>
-          <a:p>
-            <a:r>
-              <a:rPr lang="en-US" dirty="0"/>
-              <a:t>The way we are doing it is through an SSH connection using PuTTy and using the python module called SendKeys</a:t>
-            </a:r>
-          </a:p>
-          <a:p>
-            <a:endParaRPr lang="en-US" dirty="0"/>
-          </a:p>
-        </p:txBody>
-      </p:sp>
-    </p:spTree>
-    <p:extLst>
-      <p:ext uri="{BB962C8B-B14F-4D97-AF65-F5344CB8AC3E}">
-        <p14:creationId xmlns:p14="http://schemas.microsoft.com/office/powerpoint/2010/main" val="655876492"/>
-      </p:ext>
-    </p:extLst>
-  </p:cSld>
-  <p:clrMapOvr>
-    <a:masterClrMapping/>
-  </p:clrMapOvr>
-</p:sld>
-</file>
-
-<file path=ppt/slides/slide15.xml><?xml version="1.0" encoding="utf-8"?>
-<p:sld xmlns:a="http://schemas.openxmlformats.org/drawingml/2006/main" xmlns:r="http://schemas.openxmlformats.org/officeDocument/2006/relationships" xmlns:p="http://schemas.openxmlformats.org/presentationml/2006/main">
-  <p:cSld>
-    <p:spTree>
-      <p:nvGrpSpPr>
-        <p:cNvPr id="1" name=""/>
-        <p:cNvGrpSpPr/>
-        <p:nvPr/>
-      </p:nvGrpSpPr>
-      <p:grpSpPr>
-        <a:xfrm>
-          <a:off x="0" y="0"/>
-          <a:ext cx="0" cy="0"/>
-          <a:chOff x="0" y="0"/>
-          <a:chExt cx="0" cy="0"/>
-        </a:xfrm>
-      </p:grpSpPr>
-      <p:sp>
-        <p:nvSpPr>
-          <p:cNvPr id="2" name="Title 1"/>
-          <p:cNvSpPr>
-            <a:spLocks noGrp="1"/>
-          </p:cNvSpPr>
-          <p:nvPr>
-            <p:ph type="title"/>
-          </p:nvPr>
-        </p:nvSpPr>
-        <p:spPr/>
-        <p:txBody>
-          <a:bodyPr/>
-          <a:lstStyle/>
-          <a:p>
-            <a:r>
-              <a:rPr lang="en-US" dirty="0" smtClean="0"/>
-              <a:t>Technical Content</a:t>
-            </a:r>
-            <a:endParaRPr lang="en-US" dirty="0"/>
-          </a:p>
-        </p:txBody>
-      </p:sp>
-      <p:sp>
-        <p:nvSpPr>
-          <p:cNvPr id="3" name="Text Placeholder 2"/>
-          <p:cNvSpPr>
-            <a:spLocks noGrp="1"/>
-          </p:cNvSpPr>
-          <p:nvPr>
-            <p:ph type="body" idx="1"/>
-          </p:nvPr>
-        </p:nvSpPr>
-        <p:spPr/>
-        <p:txBody>
-          <a:bodyPr/>
-          <a:lstStyle/>
-          <a:p>
-            <a:r>
-              <a:rPr lang="en-US" dirty="0" smtClean="0"/>
-              <a:t>Application </a:t>
-            </a:r>
-            <a:endParaRPr lang="en-US" dirty="0"/>
-          </a:p>
-        </p:txBody>
-      </p:sp>
-    </p:spTree>
-    <p:extLst>
-      <p:ext uri="{BB962C8B-B14F-4D97-AF65-F5344CB8AC3E}">
-        <p14:creationId xmlns:p14="http://schemas.microsoft.com/office/powerpoint/2010/main" val="4155876598"/>
-      </p:ext>
-    </p:extLst>
-  </p:cSld>
-  <p:clrMapOvr>
-    <a:masterClrMapping/>
-  </p:clrMapOvr>
-</p:sld>
-</file>
-
 <file path=ppt/slides/slide2.xml><?xml version="1.0" encoding="utf-8"?>
 <p:sld xmlns:a="http://schemas.openxmlformats.org/drawingml/2006/main" xmlns:r="http://schemas.openxmlformats.org/officeDocument/2006/relationships" xmlns:p="http://schemas.openxmlformats.org/presentationml/2006/main">
   <p:cSld>
@@ -6979,6 +7706,171 @@
     <p:extLst>
       <p:ext uri="{BB962C8B-B14F-4D97-AF65-F5344CB8AC3E}">
         <p14:creationId xmlns:p14="http://schemas.microsoft.com/office/powerpoint/2010/main" val="3803120145"/>
+      </p:ext>
+    </p:extLst>
+  </p:cSld>
+  <p:clrMapOvr>
+    <a:masterClrMapping/>
+  </p:clrMapOvr>
+</p:sld>
+</file>
+
+<file path=ppt/slides/slide20.xml><?xml version="1.0" encoding="utf-8"?>
+<p:sld xmlns:a="http://schemas.openxmlformats.org/drawingml/2006/main" xmlns:r="http://schemas.openxmlformats.org/officeDocument/2006/relationships" xmlns:p="http://schemas.openxmlformats.org/presentationml/2006/main">
+  <p:cSld>
+    <p:spTree>
+      <p:nvGrpSpPr>
+        <p:cNvPr id="1" name=""/>
+        <p:cNvGrpSpPr/>
+        <p:nvPr/>
+      </p:nvGrpSpPr>
+      <p:grpSpPr>
+        <a:xfrm>
+          <a:off x="0" y="0"/>
+          <a:ext cx="0" cy="0"/>
+          <a:chOff x="0" y="0"/>
+          <a:chExt cx="0" cy="0"/>
+        </a:xfrm>
+      </p:grpSpPr>
+      <p:sp>
+        <p:nvSpPr>
+          <p:cNvPr id="2" name="Title 1"/>
+          <p:cNvSpPr>
+            <a:spLocks noGrp="1"/>
+          </p:cNvSpPr>
+          <p:nvPr>
+            <p:ph type="title"/>
+          </p:nvPr>
+        </p:nvSpPr>
+        <p:spPr/>
+        <p:txBody>
+          <a:bodyPr/>
+          <a:lstStyle/>
+          <a:p>
+            <a:r>
+              <a:rPr lang="en-US" dirty="0"/>
+              <a:t>Wireless Interaction</a:t>
+            </a:r>
+          </a:p>
+        </p:txBody>
+      </p:sp>
+      <p:sp>
+        <p:nvSpPr>
+          <p:cNvPr id="3" name="Content Placeholder 2"/>
+          <p:cNvSpPr>
+            <a:spLocks noGrp="1"/>
+          </p:cNvSpPr>
+          <p:nvPr>
+            <p:ph idx="1"/>
+          </p:nvPr>
+        </p:nvSpPr>
+        <p:spPr/>
+        <p:txBody>
+          <a:bodyPr/>
+          <a:lstStyle/>
+          <a:p>
+            <a:r>
+              <a:rPr lang="en-US" dirty="0"/>
+              <a:t>The Pi needs to be able to receive commands wirelessly.</a:t>
+            </a:r>
+          </a:p>
+          <a:p>
+            <a:r>
+              <a:rPr lang="en-US" dirty="0"/>
+              <a:t>We researched many ways to do this and found a solution that works over the network that both the PC that is sending the commands and the Pi are connected to. </a:t>
+            </a:r>
+          </a:p>
+          <a:p>
+            <a:r>
+              <a:rPr lang="en-US" dirty="0"/>
+              <a:t>The way we are doing it is through an SSH connection using PuTTy and using the python module called SendKeys</a:t>
+            </a:r>
+          </a:p>
+          <a:p>
+            <a:endParaRPr lang="en-US" dirty="0"/>
+          </a:p>
+        </p:txBody>
+      </p:sp>
+    </p:spTree>
+    <p:extLst>
+      <p:ext uri="{BB962C8B-B14F-4D97-AF65-F5344CB8AC3E}">
+        <p14:creationId xmlns:p14="http://schemas.microsoft.com/office/powerpoint/2010/main" val="655876492"/>
+      </p:ext>
+    </p:extLst>
+  </p:cSld>
+  <p:clrMapOvr>
+    <a:masterClrMapping/>
+  </p:clrMapOvr>
+</p:sld>
+</file>
+
+<file path=ppt/slides/slide21.xml><?xml version="1.0" encoding="utf-8"?>
+<p:sld xmlns:a="http://schemas.openxmlformats.org/drawingml/2006/main" xmlns:r="http://schemas.openxmlformats.org/officeDocument/2006/relationships" xmlns:p="http://schemas.openxmlformats.org/presentationml/2006/main">
+  <p:cSld>
+    <p:spTree>
+      <p:nvGrpSpPr>
+        <p:cNvPr id="1" name=""/>
+        <p:cNvGrpSpPr/>
+        <p:nvPr/>
+      </p:nvGrpSpPr>
+      <p:grpSpPr>
+        <a:xfrm>
+          <a:off x="0" y="0"/>
+          <a:ext cx="0" cy="0"/>
+          <a:chOff x="0" y="0"/>
+          <a:chExt cx="0" cy="0"/>
+        </a:xfrm>
+      </p:grpSpPr>
+      <p:sp>
+        <p:nvSpPr>
+          <p:cNvPr id="2" name="Title 1"/>
+          <p:cNvSpPr>
+            <a:spLocks noGrp="1"/>
+          </p:cNvSpPr>
+          <p:nvPr>
+            <p:ph type="title"/>
+          </p:nvPr>
+        </p:nvSpPr>
+        <p:spPr/>
+        <p:txBody>
+          <a:bodyPr/>
+          <a:lstStyle/>
+          <a:p>
+            <a:r>
+              <a:rPr lang="en-US" dirty="0" smtClean="0"/>
+              <a:t>Technical Content</a:t>
+            </a:r>
+            <a:endParaRPr lang="en-US" dirty="0"/>
+          </a:p>
+        </p:txBody>
+      </p:sp>
+      <p:sp>
+        <p:nvSpPr>
+          <p:cNvPr id="3" name="Text Placeholder 2"/>
+          <p:cNvSpPr>
+            <a:spLocks noGrp="1"/>
+          </p:cNvSpPr>
+          <p:nvPr>
+            <p:ph type="body" idx="1"/>
+          </p:nvPr>
+        </p:nvSpPr>
+        <p:spPr/>
+        <p:txBody>
+          <a:bodyPr/>
+          <a:lstStyle/>
+          <a:p>
+            <a:r>
+              <a:rPr lang="en-US" dirty="0" smtClean="0"/>
+              <a:t>Application </a:t>
+            </a:r>
+            <a:endParaRPr lang="en-US" dirty="0"/>
+          </a:p>
+        </p:txBody>
+      </p:sp>
+    </p:spTree>
+    <p:extLst>
+      <p:ext uri="{BB962C8B-B14F-4D97-AF65-F5344CB8AC3E}">
+        <p14:creationId xmlns:p14="http://schemas.microsoft.com/office/powerpoint/2010/main" val="4155876598"/>
       </p:ext>
     </p:extLst>
   </p:cSld>
@@ -7155,7 +8047,7 @@
       </p:grpSpPr>
       <p:sp>
         <p:nvSpPr>
-          <p:cNvPr id="4" name="Title 3"/>
+          <p:cNvPr id="2" name="Title 1"/>
           <p:cNvSpPr>
             <a:spLocks noGrp="1"/>
           </p:cNvSpPr>
@@ -7169,31 +8061,88 @@
           <a:lstStyle/>
           <a:p>
             <a:r>
+              <a:rPr lang="en-US" dirty="0" err="1" smtClean="0"/>
+              <a:t>SimpleCV</a:t>
+            </a:r>
+            <a:endParaRPr lang="en-US" dirty="0"/>
+          </a:p>
+        </p:txBody>
+      </p:sp>
+      <p:sp>
+        <p:nvSpPr>
+          <p:cNvPr id="3" name="Content Placeholder 2"/>
+          <p:cNvSpPr>
+            <a:spLocks noGrp="1"/>
+          </p:cNvSpPr>
+          <p:nvPr>
+            <p:ph idx="1"/>
+          </p:nvPr>
+        </p:nvSpPr>
+        <p:spPr>
+          <a:xfrm>
+            <a:off x="646111" y="1468032"/>
+            <a:ext cx="8946541" cy="4195481"/>
+          </a:xfrm>
+        </p:spPr>
+        <p:txBody>
+          <a:bodyPr/>
+          <a:lstStyle/>
+          <a:p>
+            <a:r>
               <a:rPr lang="en-US" dirty="0" smtClean="0"/>
-              <a:t>Technical content</a:t>
-            </a:r>
-            <a:endParaRPr lang="en-US" dirty="0"/>
-          </a:p>
-        </p:txBody>
-      </p:sp>
-      <p:sp>
-        <p:nvSpPr>
-          <p:cNvPr id="5" name="Text Placeholder 4"/>
-          <p:cNvSpPr>
-            <a:spLocks noGrp="1"/>
-          </p:cNvSpPr>
-          <p:nvPr>
-            <p:ph type="body" idx="1"/>
-          </p:nvPr>
-        </p:nvSpPr>
-        <p:spPr/>
-        <p:txBody>
-          <a:bodyPr/>
-          <a:lstStyle/>
-          <a:p>
+              <a:t>Overview</a:t>
+            </a:r>
+          </a:p>
+          <a:p>
+            <a:endParaRPr lang="en-US" dirty="0" smtClean="0"/>
+          </a:p>
+          <a:p>
+            <a:pPr lvl="1"/>
+            <a:r>
+              <a:rPr lang="en-US" dirty="0" err="1" smtClean="0"/>
+              <a:t>SimpleCV</a:t>
+            </a:r>
             <a:r>
               <a:rPr lang="en-US" dirty="0" smtClean="0"/>
-              <a:t>Raspberry Pi Robot</a:t>
+              <a:t> is an open source computer vision library that can implement </a:t>
+            </a:r>
+            <a:r>
+              <a:rPr lang="en-US" dirty="0" err="1" smtClean="0"/>
+              <a:t>OpenCV</a:t>
+            </a:r>
+            <a:r>
+              <a:rPr lang="en-US" dirty="0" smtClean="0"/>
+              <a:t> without a high learning curve.</a:t>
+            </a:r>
+          </a:p>
+          <a:p>
+            <a:pPr lvl="1"/>
+            <a:endParaRPr lang="en-US" dirty="0" smtClean="0"/>
+          </a:p>
+          <a:p>
+            <a:pPr lvl="1"/>
+            <a:r>
+              <a:rPr lang="en-US" dirty="0" smtClean="0"/>
+              <a:t>Built in commands allow the use for display augmenting, image/video processing, object tracking, color mapping, color manipulation, data storage and extraction, </a:t>
+            </a:r>
+            <a:r>
+              <a:rPr lang="en-US" dirty="0" err="1" smtClean="0"/>
+              <a:t>ect</a:t>
+            </a:r>
+            <a:r>
+              <a:rPr lang="en-US" dirty="0" smtClean="0"/>
+              <a:t>.</a:t>
+            </a:r>
+          </a:p>
+          <a:p>
+            <a:pPr lvl="1"/>
+            <a:endParaRPr lang="en-US" dirty="0" smtClean="0"/>
+          </a:p>
+          <a:p>
+            <a:pPr lvl="1"/>
+            <a:r>
+              <a:rPr lang="en-US" dirty="0" smtClean="0"/>
+              <a:t>We implement this library into python scripts.</a:t>
             </a:r>
             <a:endParaRPr lang="en-US" dirty="0"/>
           </a:p>
@@ -7202,13 +8151,20 @@
     </p:spTree>
     <p:extLst>
       <p:ext uri="{BB962C8B-B14F-4D97-AF65-F5344CB8AC3E}">
-        <p14:creationId xmlns:p14="http://schemas.microsoft.com/office/powerpoint/2010/main" val="2649188023"/>
+        <p14:creationId xmlns:p14="http://schemas.microsoft.com/office/powerpoint/2010/main" val="3163374620"/>
       </p:ext>
     </p:extLst>
   </p:cSld>
   <p:clrMapOvr>
     <a:masterClrMapping/>
   </p:clrMapOvr>
+  <p:timing>
+    <p:tnLst>
+      <p:par>
+        <p:cTn id="1" dur="indefinite" restart="never" nodeType="tmRoot"/>
+      </p:par>
+    </p:tnLst>
+  </p:timing>
 </p:sld>
 </file>
 
@@ -7231,7 +8187,7 @@
       </p:grpSpPr>
       <p:sp>
         <p:nvSpPr>
-          <p:cNvPr id="4" name="Title 3"/>
+          <p:cNvPr id="2" name="Title 1"/>
           <p:cNvSpPr>
             <a:spLocks noGrp="1"/>
           </p:cNvSpPr>
@@ -7245,65 +8201,43 @@
           <a:lstStyle/>
           <a:p>
             <a:r>
-              <a:rPr lang="en-US" dirty="0"/>
-              <a:t>Overview of Robot </a:t>
-            </a:r>
-          </a:p>
-        </p:txBody>
-      </p:sp>
-      <p:sp>
-        <p:nvSpPr>
-          <p:cNvPr id="5" name="Content Placeholder 4"/>
-          <p:cNvSpPr>
-            <a:spLocks noGrp="1"/>
-          </p:cNvSpPr>
+              <a:rPr lang="en-US" dirty="0" smtClean="0"/>
+              <a:t>Object Tracking</a:t>
+            </a:r>
+            <a:endParaRPr lang="en-US" dirty="0"/>
+          </a:p>
+        </p:txBody>
+      </p:sp>
+      <p:pic>
+        <p:nvPicPr>
+          <p:cNvPr id="4" name="Content Placeholder 3"/>
+          <p:cNvPicPr>
+            <a:picLocks noGrp="1" noChangeAspect="1"/>
+          </p:cNvPicPr>
           <p:nvPr>
             <p:ph idx="1"/>
           </p:nvPr>
-        </p:nvSpPr>
-        <p:spPr/>
-        <p:txBody>
-          <a:bodyPr/>
-          <a:lstStyle/>
-          <a:p>
-            <a:r>
-              <a:rPr lang="en-US" dirty="0"/>
-              <a:t>The robot has two powered wheels and a third to balance it.</a:t>
-            </a:r>
-          </a:p>
-          <a:p>
-            <a:r>
-              <a:rPr lang="en-US" dirty="0"/>
-              <a:t>Each wheel will be powered by a DC motor.</a:t>
-            </a:r>
-          </a:p>
-          <a:p>
-            <a:r>
-              <a:rPr lang="en-US" dirty="0"/>
-              <a:t>These DC motors will be connected to a couple H-bridges that will allow them to spin both forward and backwards.</a:t>
-            </a:r>
-          </a:p>
-          <a:p>
-            <a:r>
-              <a:rPr lang="en-US" dirty="0"/>
-              <a:t>The movements will be executed by the Pi, with commands sent from a PC.</a:t>
-            </a:r>
-          </a:p>
-          <a:p>
-            <a:r>
-              <a:rPr lang="en-US" dirty="0"/>
-              <a:t>The robot will be completely wireless</a:t>
-            </a:r>
-          </a:p>
-          <a:p>
-            <a:endParaRPr lang="en-US" dirty="0"/>
-          </a:p>
-        </p:txBody>
-      </p:sp>
+        </p:nvPicPr>
+        <p:blipFill>
+          <a:blip r:embed="rId2"/>
+          <a:stretch>
+            <a:fillRect/>
+          </a:stretch>
+        </p:blipFill>
+        <p:spPr>
+          <a:xfrm>
+            <a:off x="3007357" y="1635008"/>
+            <a:ext cx="6166635" cy="4687741"/>
+          </a:xfrm>
+          <a:prstGeom prst="rect">
+            <a:avLst/>
+          </a:prstGeom>
+        </p:spPr>
+      </p:pic>
     </p:spTree>
     <p:extLst>
       <p:ext uri="{BB962C8B-B14F-4D97-AF65-F5344CB8AC3E}">
-        <p14:creationId xmlns:p14="http://schemas.microsoft.com/office/powerpoint/2010/main" val="3217680633"/>
+        <p14:creationId xmlns:p14="http://schemas.microsoft.com/office/powerpoint/2010/main" val="1617334030"/>
       </p:ext>
     </p:extLst>
   </p:cSld>
@@ -7346,131 +8280,144 @@
           <a:lstStyle/>
           <a:p>
             <a:r>
-              <a:rPr lang="en-US" dirty="0"/>
-              <a:t>Specifics- Motors</a:t>
-            </a:r>
-          </a:p>
-        </p:txBody>
-      </p:sp>
-      <p:sp>
-        <p:nvSpPr>
-          <p:cNvPr id="8" name="Content Placeholder 7"/>
-          <p:cNvSpPr>
-            <a:spLocks noGrp="1"/>
-          </p:cNvSpPr>
-          <p:nvPr>
-            <p:ph sz="half" idx="1"/>
-          </p:nvPr>
-        </p:nvSpPr>
-        <p:spPr/>
-        <p:txBody>
-          <a:bodyPr/>
-          <a:lstStyle/>
-          <a:p>
-            <a:r>
-              <a:rPr lang="en-US" dirty="0"/>
-              <a:t>These DC motors are capable of 200mA for a 6v input</a:t>
-            </a:r>
-          </a:p>
-          <a:p>
-            <a:r>
-              <a:rPr lang="en-US" dirty="0"/>
-              <a:t>They can move .4 Kg/cm</a:t>
-            </a:r>
-          </a:p>
-          <a:p>
-            <a:r>
-              <a:rPr lang="en-US" dirty="0"/>
-              <a:t>The wheels snap right on to the output</a:t>
-            </a:r>
-          </a:p>
-          <a:p>
-            <a:r>
-              <a:rPr lang="en-US" dirty="0"/>
-              <a:t>There is a 1:48 gear ratio</a:t>
-            </a:r>
-          </a:p>
-          <a:p>
+              <a:rPr lang="en-US" dirty="0" smtClean="0"/>
+              <a:t>Object Tracking</a:t>
+            </a:r>
             <a:endParaRPr lang="en-US" dirty="0"/>
           </a:p>
         </p:txBody>
       </p:sp>
-      <p:pic>
-        <p:nvPicPr>
-          <p:cNvPr id="1026" name="Picture 2"/>
-          <p:cNvPicPr>
-            <a:picLocks noGrp="1" noChangeAspect="1" noChangeArrowheads="1"/>
-          </p:cNvPicPr>
-          <p:nvPr>
-            <p:ph sz="half" idx="2"/>
-          </p:nvPr>
-        </p:nvPicPr>
-        <p:blipFill>
-          <a:blip r:embed="rId2">
-            <a:extLst>
-              <a:ext uri="{28A0092B-C50C-407E-A947-70E740481C1C}">
-                <a14:useLocalDpi xmlns:a14="http://schemas.microsoft.com/office/drawing/2010/main" val="0"/>
-              </a:ext>
-            </a:extLst>
-          </a:blip>
-          <a:srcRect/>
-          <a:stretch>
-            <a:fillRect/>
-          </a:stretch>
-        </p:blipFill>
-        <p:spPr bwMode="auto">
+      <p:sp>
+        <p:nvSpPr>
+          <p:cNvPr id="3" name="Content Placeholder 2"/>
+          <p:cNvSpPr>
+            <a:spLocks noGrp="1"/>
+          </p:cNvSpPr>
+          <p:nvPr>
+            <p:ph idx="1"/>
+          </p:nvPr>
+        </p:nvSpPr>
+        <p:spPr>
           <a:xfrm>
-            <a:off x="6871906" y="2087563"/>
-            <a:ext cx="3698051" cy="3703637"/>
+            <a:off x="646111" y="1587952"/>
+            <a:ext cx="8946541" cy="4195481"/>
           </a:xfrm>
-          <a:prstGeom prst="rect">
-            <a:avLst/>
-          </a:prstGeom>
-          <a:noFill/>
-          <a:ln>
-            <a:noFill/>
-          </a:ln>
-          <a:effectLst/>
-          <a:extLst>
-            <a:ext uri="{909E8E84-426E-40DD-AFC4-6F175D3DCCD1}">
-              <a14:hiddenFill xmlns:a14="http://schemas.microsoft.com/office/drawing/2010/main">
-                <a:solidFill>
-                  <a:schemeClr val="accent1"/>
-                </a:solidFill>
-              </a14:hiddenFill>
-            </a:ext>
-            <a:ext uri="{91240B29-F687-4F45-9708-019B960494DF}">
-              <a14:hiddenLine xmlns:a14="http://schemas.microsoft.com/office/drawing/2010/main" w="9525">
-                <a:solidFill>
-                  <a:schemeClr val="tx1"/>
-                </a:solidFill>
-                <a:miter lim="800000"/>
-                <a:headEnd/>
-                <a:tailEnd/>
-              </a14:hiddenLine>
-            </a:ext>
-            <a:ext uri="{AF507438-7753-43E0-B8FC-AC1667EBCBE1}">
-              <a14:hiddenEffects xmlns:a14="http://schemas.microsoft.com/office/drawing/2010/main">
-                <a:effectLst>
-                  <a:outerShdw dist="35921" dir="2700000" algn="ctr" rotWithShape="0">
-                    <a:schemeClr val="bg2"/>
-                  </a:outerShdw>
-                </a:effectLst>
-              </a14:hiddenEffects>
-            </a:ext>
-          </a:extLst>
         </p:spPr>
-      </p:pic>
+        <p:txBody>
+          <a:bodyPr>
+            <a:normAutofit lnSpcReduction="10000"/>
+          </a:bodyPr>
+          <a:lstStyle/>
+          <a:p>
+            <a:r>
+              <a:rPr lang="en-US" dirty="0" smtClean="0"/>
+              <a:t>Combined object tracking techniques</a:t>
+            </a:r>
+          </a:p>
+          <a:p>
+            <a:pPr lvl="1"/>
+            <a:r>
+              <a:rPr lang="en-US" dirty="0" smtClean="0"/>
+              <a:t>Blobs</a:t>
+            </a:r>
+          </a:p>
+          <a:p>
+            <a:pPr lvl="2"/>
+            <a:r>
+              <a:rPr lang="en-US" dirty="0" smtClean="0"/>
+              <a:t>The blobs command is a predetermined script that allows for object detection. </a:t>
+            </a:r>
+          </a:p>
+          <a:p>
+            <a:pPr lvl="2"/>
+            <a:r>
+              <a:rPr lang="en-US" dirty="0" smtClean="0"/>
+              <a:t>By implementing this command we do not have to re-invent the wheel.</a:t>
+            </a:r>
+          </a:p>
+          <a:p>
+            <a:pPr lvl="2"/>
+            <a:r>
+              <a:rPr lang="en-US" dirty="0" smtClean="0"/>
+              <a:t>Ability to detect different geometric shapes, color, edges, data each blob contains.</a:t>
+            </a:r>
+          </a:p>
+          <a:p>
+            <a:pPr lvl="1"/>
+            <a:r>
+              <a:rPr lang="en-US" dirty="0" smtClean="0"/>
+              <a:t>Camera/Display</a:t>
+            </a:r>
+          </a:p>
+          <a:p>
+            <a:pPr lvl="2"/>
+            <a:r>
+              <a:rPr lang="en-US" dirty="0" smtClean="0"/>
+              <a:t>Allow the use to open and manipulate video through display</a:t>
+            </a:r>
+          </a:p>
+          <a:p>
+            <a:pPr lvl="1"/>
+            <a:r>
+              <a:rPr lang="en-US" dirty="0" smtClean="0"/>
+              <a:t>Image Processing</a:t>
+            </a:r>
+          </a:p>
+          <a:p>
+            <a:pPr lvl="2"/>
+            <a:r>
+              <a:rPr lang="en-US" dirty="0" smtClean="0"/>
+              <a:t>HSV and RGB color schemes</a:t>
+            </a:r>
+          </a:p>
+          <a:p>
+            <a:pPr lvl="2"/>
+            <a:r>
+              <a:rPr lang="en-US" dirty="0" err="1" smtClean="0"/>
+              <a:t>Historgrams</a:t>
+            </a:r>
+            <a:endParaRPr lang="en-US" dirty="0" smtClean="0"/>
+          </a:p>
+          <a:p>
+            <a:pPr lvl="2"/>
+            <a:r>
+              <a:rPr lang="en-US" dirty="0" smtClean="0"/>
+              <a:t>Image segmentation</a:t>
+            </a:r>
+          </a:p>
+          <a:p>
+            <a:pPr lvl="2"/>
+            <a:endParaRPr lang="en-US" dirty="0" smtClean="0"/>
+          </a:p>
+          <a:p>
+            <a:pPr lvl="2"/>
+            <a:endParaRPr lang="en-US" dirty="0"/>
+          </a:p>
+          <a:p>
+            <a:pPr marL="457200" lvl="1" indent="0">
+              <a:buNone/>
+            </a:pPr>
+            <a:endParaRPr lang="en-US" dirty="0" smtClean="0"/>
+          </a:p>
+        </p:txBody>
+      </p:sp>
     </p:spTree>
     <p:extLst>
       <p:ext uri="{BB962C8B-B14F-4D97-AF65-F5344CB8AC3E}">
-        <p14:creationId xmlns:p14="http://schemas.microsoft.com/office/powerpoint/2010/main" val="3781372157"/>
+        <p14:creationId xmlns:p14="http://schemas.microsoft.com/office/powerpoint/2010/main" val="713381473"/>
       </p:ext>
     </p:extLst>
   </p:cSld>
   <p:clrMapOvr>
     <a:masterClrMapping/>
   </p:clrMapOvr>
+  <p:timing>
+    <p:tnLst>
+      <p:par>
+        <p:cTn id="1" dur="indefinite" restart="never" nodeType="tmRoot"/>
+      </p:par>
+    </p:tnLst>
+  </p:timing>
 </p:sld>
 </file>
 
@@ -7507,9 +8454,13 @@
           <a:lstStyle/>
           <a:p>
             <a:r>
-              <a:rPr lang="en-US" dirty="0"/>
-              <a:t>Specifics- Raspberry Pi</a:t>
-            </a:r>
+              <a:rPr lang="en-US" dirty="0" smtClean="0"/>
+              <a:t>Color Mapping/Manipulation	</a:t>
+            </a:r>
+            <a:br>
+              <a:rPr lang="en-US" dirty="0" smtClean="0"/>
+            </a:br>
+            <a:endParaRPr lang="en-US" dirty="0"/>
           </a:p>
         </p:txBody>
       </p:sp>
@@ -7523,171 +8474,88 @@
             <p:ph idx="1"/>
           </p:nvPr>
         </p:nvSpPr>
-        <p:spPr/>
-        <p:txBody>
-          <a:bodyPr/>
-          <a:lstStyle/>
-          <a:p>
-            <a:r>
-              <a:rPr lang="en-US" dirty="0"/>
-              <a:t>The robot will be controlled by a Raspberry Pi 2</a:t>
-            </a:r>
-          </a:p>
-          <a:p>
-            <a:r>
-              <a:rPr lang="en-US" dirty="0"/>
-              <a:t>The GPIO pins of the Raspberry Pi will be the way the software will interact with the hardware</a:t>
-            </a:r>
-          </a:p>
-          <a:p>
-            <a:r>
-              <a:rPr lang="en-US" dirty="0"/>
-              <a:t>The Pi will be controlled wirelessly through SSH with a USB Wi-Fi dongle</a:t>
-            </a:r>
-          </a:p>
-          <a:p>
+        <p:spPr>
+          <a:xfrm>
+            <a:off x="646111" y="1962302"/>
+            <a:ext cx="8946541" cy="4195481"/>
+          </a:xfrm>
+        </p:spPr>
+        <p:txBody>
+          <a:bodyPr/>
+          <a:lstStyle/>
+          <a:p>
+            <a:r>
+              <a:rPr lang="en-US" dirty="0" smtClean="0"/>
+              <a:t>RGB Color Scheme</a:t>
+            </a:r>
+          </a:p>
+          <a:p>
+            <a:pPr lvl="1"/>
+            <a:r>
+              <a:rPr lang="en-US" dirty="0" smtClean="0"/>
+              <a:t>Theory every image contains Red, Green and Blue fundamental colors.</a:t>
+            </a:r>
+          </a:p>
+          <a:p>
+            <a:pPr lvl="2"/>
+            <a:r>
+              <a:rPr lang="en-US" dirty="0" smtClean="0"/>
+              <a:t>Pixelated and mapped on screen with Red, Green and Blue pixels values</a:t>
+            </a:r>
             <a:endParaRPr lang="en-US" dirty="0"/>
           </a:p>
-        </p:txBody>
-      </p:sp>
-      <p:pic>
-        <p:nvPicPr>
-          <p:cNvPr id="2050" name="Picture 2"/>
-          <p:cNvPicPr>
-            <a:picLocks noChangeAspect="1" noChangeArrowheads="1"/>
-          </p:cNvPicPr>
-          <p:nvPr/>
-        </p:nvPicPr>
-        <p:blipFill>
-          <a:blip r:embed="rId2">
-            <a:extLst>
-              <a:ext uri="{28A0092B-C50C-407E-A947-70E740481C1C}">
-                <a14:useLocalDpi xmlns:a14="http://schemas.microsoft.com/office/drawing/2010/main" val="0"/>
-              </a:ext>
-            </a:extLst>
-          </a:blip>
-          <a:srcRect/>
-          <a:stretch>
-            <a:fillRect/>
-          </a:stretch>
-        </p:blipFill>
-        <p:spPr bwMode="auto">
-          <a:xfrm>
-            <a:off x="1497933" y="4175763"/>
-            <a:ext cx="2309812" cy="1963737"/>
-          </a:xfrm>
-          <a:prstGeom prst="rect">
-            <a:avLst/>
-          </a:prstGeom>
-          <a:noFill/>
-          <a:ln>
-            <a:noFill/>
-          </a:ln>
-          <a:effectLst/>
-          <a:extLst>
-            <a:ext uri="{909E8E84-426E-40DD-AFC4-6F175D3DCCD1}">
-              <a14:hiddenFill xmlns:a14="http://schemas.microsoft.com/office/drawing/2010/main">
-                <a:solidFill>
-                  <a:schemeClr val="accent1"/>
-                </a:solidFill>
-              </a14:hiddenFill>
-            </a:ext>
-            <a:ext uri="{91240B29-F687-4F45-9708-019B960494DF}">
-              <a14:hiddenLine xmlns:a14="http://schemas.microsoft.com/office/drawing/2010/main" w="9525">
-                <a:solidFill>
-                  <a:schemeClr val="tx1"/>
-                </a:solidFill>
-                <a:miter lim="800000"/>
-                <a:headEnd/>
-                <a:tailEnd/>
-              </a14:hiddenLine>
-            </a:ext>
-            <a:ext uri="{AF507438-7753-43E0-B8FC-AC1667EBCBE1}">
-              <a14:hiddenEffects xmlns:a14="http://schemas.microsoft.com/office/drawing/2010/main">
-                <a:effectLst>
-                  <a:outerShdw dist="35921" dir="2700000" algn="ctr" rotWithShape="0">
-                    <a:schemeClr val="bg2"/>
-                  </a:outerShdw>
-                </a:effectLst>
-              </a14:hiddenEffects>
-            </a:ext>
-          </a:extLst>
-        </p:spPr>
-      </p:pic>
-      <p:pic>
-        <p:nvPicPr>
-          <p:cNvPr id="2051" name="Picture 3"/>
-          <p:cNvPicPr>
-            <a:picLocks noChangeAspect="1" noChangeArrowheads="1"/>
-          </p:cNvPicPr>
-          <p:nvPr/>
-        </p:nvPicPr>
-        <p:blipFill>
-          <a:blip r:embed="rId3">
-            <a:extLst>
-              <a:ext uri="{28A0092B-C50C-407E-A947-70E740481C1C}">
-                <a14:useLocalDpi xmlns:a14="http://schemas.microsoft.com/office/drawing/2010/main" val="0"/>
-              </a:ext>
-            </a:extLst>
-          </a:blip>
-          <a:srcRect/>
-          <a:stretch>
-            <a:fillRect/>
-          </a:stretch>
-        </p:blipFill>
-        <p:spPr bwMode="auto">
-          <a:xfrm>
-            <a:off x="6624830" y="4175763"/>
-            <a:ext cx="3902075" cy="2212975"/>
-          </a:xfrm>
-          <a:prstGeom prst="rect">
-            <a:avLst/>
-          </a:prstGeom>
-          <a:noFill/>
-          <a:ln>
-            <a:noFill/>
-          </a:ln>
-          <a:effectLst/>
-          <a:extLst>
-            <a:ext uri="{909E8E84-426E-40DD-AFC4-6F175D3DCCD1}">
-              <a14:hiddenFill xmlns:a14="http://schemas.microsoft.com/office/drawing/2010/main">
-                <a:solidFill>
-                  <a:schemeClr val="accent1"/>
-                </a:solidFill>
-              </a14:hiddenFill>
-            </a:ext>
-            <a:ext uri="{91240B29-F687-4F45-9708-019B960494DF}">
-              <a14:hiddenLine xmlns:a14="http://schemas.microsoft.com/office/drawing/2010/main" w="9525">
-                <a:solidFill>
-                  <a:schemeClr val="tx1"/>
-                </a:solidFill>
-                <a:miter lim="800000"/>
-                <a:headEnd/>
-                <a:tailEnd/>
-              </a14:hiddenLine>
-            </a:ext>
-            <a:ext uri="{AF507438-7753-43E0-B8FC-AC1667EBCBE1}">
-              <a14:hiddenEffects xmlns:a14="http://schemas.microsoft.com/office/drawing/2010/main">
-                <a:effectLst>
-                  <a:outerShdw dist="35921" dir="2700000" algn="ctr" rotWithShape="0">
-                    <a:schemeClr val="bg2"/>
-                  </a:outerShdw>
-                </a:effectLst>
-              </a14:hiddenEffects>
-            </a:ext>
-          </a:extLst>
-        </p:spPr>
-      </p:pic>
+          <a:p>
+            <a:r>
+              <a:rPr lang="en-US" dirty="0" smtClean="0"/>
+              <a:t>RGB in </a:t>
+            </a:r>
+            <a:r>
+              <a:rPr lang="en-US" dirty="0" err="1" smtClean="0"/>
+              <a:t>SimpleCV</a:t>
+            </a:r>
+            <a:endParaRPr lang="en-US" dirty="0" smtClean="0"/>
+          </a:p>
+          <a:p>
+            <a:pPr lvl="1"/>
+            <a:r>
+              <a:rPr lang="en-US" dirty="0" smtClean="0"/>
+              <a:t>By importing </a:t>
+            </a:r>
+            <a:r>
+              <a:rPr lang="en-US" dirty="0" err="1" smtClean="0"/>
+              <a:t>simpleCV</a:t>
+            </a:r>
+            <a:r>
+              <a:rPr lang="en-US" dirty="0" smtClean="0"/>
+              <a:t> into our base code we can segment images into RGB components.</a:t>
+            </a:r>
+          </a:p>
+          <a:p>
+            <a:pPr lvl="1"/>
+            <a:r>
+              <a:rPr lang="en-US" dirty="0" smtClean="0"/>
+              <a:t>Pushing back color in correlation with our object detection can allow us to segment our object and attain coordinates of the individual object minus its surrounding.</a:t>
+            </a:r>
+          </a:p>
+        </p:txBody>
+      </p:sp>
     </p:spTree>
     <p:extLst>
       <p:ext uri="{BB962C8B-B14F-4D97-AF65-F5344CB8AC3E}">
-        <p14:creationId xmlns:p14="http://schemas.microsoft.com/office/powerpoint/2010/main" val="3639831758"/>
+        <p14:creationId xmlns:p14="http://schemas.microsoft.com/office/powerpoint/2010/main" val="3904740922"/>
       </p:ext>
     </p:extLst>
   </p:cSld>
   <p:clrMapOvr>
     <a:masterClrMapping/>
   </p:clrMapOvr>
+  <p:timing>
+    <p:tnLst>
+      <p:par>
+        <p:cTn id="1" dur="indefinite" restart="never" nodeType="tmRoot"/>
+      </p:par>
+    </p:tnLst>
+  </p:timing>
 </p:sld>
 </file>
 
@@ -7724,131 +8592,145 @@
           <a:lstStyle/>
           <a:p>
             <a:r>
-              <a:rPr lang="en-US" dirty="0"/>
-              <a:t>Raspberry Pi GPIO </a:t>
-            </a:r>
-          </a:p>
-        </p:txBody>
-      </p:sp>
-      <p:sp>
-        <p:nvSpPr>
-          <p:cNvPr id="4" name="Content Placeholder 3"/>
-          <p:cNvSpPr>
-            <a:spLocks noGrp="1"/>
-          </p:cNvSpPr>
-          <p:nvPr>
-            <p:ph sz="half" idx="1"/>
-          </p:nvPr>
-        </p:nvSpPr>
-        <p:spPr/>
-        <p:txBody>
-          <a:bodyPr/>
-          <a:lstStyle/>
-          <a:p>
-            <a:r>
-              <a:rPr lang="en-US" dirty="0"/>
-              <a:t>The Raspberry Pi is equipped with 40 pins 17 of which are GPIO </a:t>
-            </a:r>
-          </a:p>
-          <a:p>
-            <a:r>
-              <a:rPr lang="en-US" dirty="0"/>
-              <a:t>The motors will be controlled from GPIO pins 17, 18, 22, 23</a:t>
-            </a:r>
-          </a:p>
-          <a:p>
-            <a:r>
-              <a:rPr lang="en-US" dirty="0"/>
-              <a:t>4 pins are needed because 17 and 18 control one motor forward and reverse and 22 and 23 for the other motor</a:t>
-            </a:r>
-          </a:p>
-          <a:p>
-            <a:r>
-              <a:rPr lang="en-US" dirty="0"/>
-              <a:t>The GPIO pins output 3.3v </a:t>
-            </a:r>
-          </a:p>
-          <a:p>
+              <a:rPr lang="en-US" dirty="0" smtClean="0"/>
+              <a:t>Color Mapping/Manipulation</a:t>
+            </a:r>
+            <a:endParaRPr lang="en-US" dirty="0"/>
+          </a:p>
+        </p:txBody>
+      </p:sp>
+      <p:sp>
+        <p:nvSpPr>
+          <p:cNvPr id="3" name="Content Placeholder 2"/>
+          <p:cNvSpPr>
+            <a:spLocks noGrp="1"/>
+          </p:cNvSpPr>
+          <p:nvPr>
+            <p:ph idx="1"/>
+          </p:nvPr>
+        </p:nvSpPr>
+        <p:spPr>
+          <a:xfrm>
+            <a:off x="646111" y="1748118"/>
+            <a:ext cx="8946541" cy="4195481"/>
+          </a:xfrm>
+        </p:spPr>
+        <p:txBody>
+          <a:bodyPr/>
+          <a:lstStyle/>
+          <a:p>
+            <a:r>
+              <a:rPr lang="en-US" dirty="0" smtClean="0"/>
+              <a:t>HSV Color Scheme</a:t>
+            </a:r>
+          </a:p>
+          <a:p>
+            <a:pPr lvl="1"/>
+            <a:r>
+              <a:rPr lang="en-US" dirty="0" smtClean="0"/>
+              <a:t>Hue, Saturation, Value</a:t>
+            </a:r>
+          </a:p>
+          <a:p>
+            <a:pPr lvl="2"/>
+            <a:r>
+              <a:rPr lang="en-US" dirty="0" smtClean="0"/>
+              <a:t>Hue = Color in General</a:t>
+            </a:r>
+          </a:p>
+          <a:p>
+            <a:pPr lvl="2"/>
+            <a:r>
+              <a:rPr lang="en-US" dirty="0" smtClean="0"/>
+              <a:t>Saturation = Presence of White</a:t>
+            </a:r>
+          </a:p>
+          <a:p>
+            <a:pPr lvl="2"/>
+            <a:r>
+              <a:rPr lang="en-US" dirty="0" smtClean="0"/>
+              <a:t>Value = Brightness of Color</a:t>
+            </a:r>
+          </a:p>
+          <a:p>
+            <a:pPr lvl="1"/>
+            <a:r>
+              <a:rPr lang="en-US" dirty="0" smtClean="0"/>
+              <a:t>HSV unlike RGB allows for a wider range of color and manipulation</a:t>
+            </a:r>
+          </a:p>
+          <a:p>
+            <a:pPr lvl="2"/>
+            <a:r>
+              <a:rPr lang="en-US" dirty="0" smtClean="0"/>
+              <a:t>No need to segment using Red, Green and Blue. We can use direct values of color.</a:t>
+            </a:r>
+          </a:p>
+          <a:p>
+            <a:pPr lvl="2"/>
+            <a:r>
+              <a:rPr lang="en-US" dirty="0" smtClean="0"/>
+              <a:t>HSV can be directly implemented and imported into python script using </a:t>
+            </a:r>
+            <a:r>
+              <a:rPr lang="en-US" dirty="0" err="1" smtClean="0"/>
+              <a:t>simpleCV</a:t>
+            </a:r>
+            <a:r>
+              <a:rPr lang="en-US" dirty="0" smtClean="0"/>
+              <a:t>.</a:t>
+            </a:r>
             <a:endParaRPr lang="en-US" dirty="0"/>
           </a:p>
         </p:txBody>
       </p:sp>
       <p:pic>
         <p:nvPicPr>
-          <p:cNvPr id="3074" name="Picture 2"/>
+          <p:cNvPr id="4" name="Picture 3"/>
           <p:cNvPicPr>
-            <a:picLocks noGrp="1" noChangeAspect="1" noChangeArrowheads="1"/>
+            <a:picLocks noChangeAspect="1"/>
           </p:cNvPicPr>
-          <p:nvPr>
-            <p:ph sz="half" idx="2"/>
-          </p:nvPr>
+          <p:nvPr/>
         </p:nvPicPr>
         <p:blipFill>
-          <a:blip r:embed="rId2">
+          <a:blip r:embed="rId2" cstate="print">
             <a:extLst>
               <a:ext uri="{28A0092B-C50C-407E-A947-70E740481C1C}">
                 <a14:useLocalDpi xmlns:a14="http://schemas.microsoft.com/office/drawing/2010/main" val="0"/>
               </a:ext>
             </a:extLst>
           </a:blip>
-          <a:srcRect/>
           <a:stretch>
             <a:fillRect/>
           </a:stretch>
         </p:blipFill>
-        <p:spPr bwMode="auto">
+        <p:spPr>
           <a:xfrm>
-            <a:off x="6578002" y="2378670"/>
-            <a:ext cx="4285859" cy="3121423"/>
+            <a:off x="8748214" y="1690347"/>
+            <a:ext cx="2608230" cy="1956172"/>
           </a:xfrm>
           <a:prstGeom prst="rect">
             <a:avLst/>
           </a:prstGeom>
-          <a:noFill/>
-          <a:ln>
-            <a:noFill/>
-          </a:ln>
-          <a:effectLst/>
-          <a:extLst>
-            <a:ext uri="{909E8E84-426E-40DD-AFC4-6F175D3DCCD1}">
-              <a14:hiddenFill xmlns:a14="http://schemas.microsoft.com/office/drawing/2010/main">
-                <a:solidFill>
-                  <a:schemeClr val="accent1"/>
-                </a:solidFill>
-              </a14:hiddenFill>
-            </a:ext>
-            <a:ext uri="{91240B29-F687-4F45-9708-019B960494DF}">
-              <a14:hiddenLine xmlns:a14="http://schemas.microsoft.com/office/drawing/2010/main" w="9525">
-                <a:solidFill>
-                  <a:schemeClr val="tx1"/>
-                </a:solidFill>
-                <a:miter lim="800000"/>
-                <a:headEnd/>
-                <a:tailEnd/>
-              </a14:hiddenLine>
-            </a:ext>
-            <a:ext uri="{AF507438-7753-43E0-B8FC-AC1667EBCBE1}">
-              <a14:hiddenEffects xmlns:a14="http://schemas.microsoft.com/office/drawing/2010/main">
-                <a:effectLst>
-                  <a:outerShdw dist="35921" dir="2700000" algn="ctr" rotWithShape="0">
-                    <a:schemeClr val="bg2"/>
-                  </a:outerShdw>
-                </a:effectLst>
-              </a14:hiddenEffects>
-            </a:ext>
-          </a:extLst>
         </p:spPr>
       </p:pic>
     </p:spTree>
     <p:extLst>
       <p:ext uri="{BB962C8B-B14F-4D97-AF65-F5344CB8AC3E}">
-        <p14:creationId xmlns:p14="http://schemas.microsoft.com/office/powerpoint/2010/main" val="3823126164"/>
+        <p14:creationId xmlns:p14="http://schemas.microsoft.com/office/powerpoint/2010/main" val="737933980"/>
       </p:ext>
     </p:extLst>
   </p:cSld>
   <p:clrMapOvr>
     <a:masterClrMapping/>
   </p:clrMapOvr>
+  <p:timing>
+    <p:tnLst>
+      <p:par>
+        <p:cTn id="1" dur="indefinite" restart="never" nodeType="tmRoot"/>
+      </p:par>
+    </p:tnLst>
+  </p:timing>
 </p:sld>
 </file>
 
@@ -8102,7 +8984,7 @@
   <a:extraClrSchemeLst/>
   <a:extLst>
     <a:ext uri="{05A4C25C-085E-4340-85A3-A5531E510DB2}">
-      <thm15:themeFamily xmlns:thm15="http://schemas.microsoft.com/office/thememl/2012/main" xmlns="" name="Damask" id="{F9A299A0-33D0-4E0F-9F3F-7163E3744208}" vid="{746EEEEA-FB6A-406B-B510-531588D54811}"/>
+      <thm15:themeFamily xmlns:thm15="http://schemas.microsoft.com/office/thememl/2012/main" name="Damask" id="{F9A299A0-33D0-4E0F-9F3F-7163E3744208}" vid="{746EEEEA-FB6A-406B-B510-531588D54811}"/>
     </a:ext>
   </a:extLst>
 </a:theme>

--- a/403 Final presentation.pptx
+++ b/403 Final presentation.pptx
@@ -10,8 +10,8 @@
     <p:sldId id="258" r:id="rId4"/>
     <p:sldId id="259" r:id="rId5"/>
     <p:sldId id="272" r:id="rId6"/>
-    <p:sldId id="273" r:id="rId7"/>
-    <p:sldId id="274" r:id="rId8"/>
+    <p:sldId id="274" r:id="rId7"/>
+    <p:sldId id="273" r:id="rId8"/>
     <p:sldId id="275" r:id="rId9"/>
     <p:sldId id="276" r:id="rId10"/>
     <p:sldId id="277" r:id="rId11"/>
@@ -8208,6 +8208,180 @@
           </a:p>
         </p:txBody>
       </p:sp>
+      <p:sp>
+        <p:nvSpPr>
+          <p:cNvPr id="3" name="Content Placeholder 2"/>
+          <p:cNvSpPr>
+            <a:spLocks noGrp="1"/>
+          </p:cNvSpPr>
+          <p:nvPr>
+            <p:ph idx="1"/>
+          </p:nvPr>
+        </p:nvSpPr>
+        <p:spPr>
+          <a:xfrm>
+            <a:off x="646111" y="1587952"/>
+            <a:ext cx="8946541" cy="4195481"/>
+          </a:xfrm>
+        </p:spPr>
+        <p:txBody>
+          <a:bodyPr>
+            <a:normAutofit lnSpcReduction="10000"/>
+          </a:bodyPr>
+          <a:lstStyle/>
+          <a:p>
+            <a:r>
+              <a:rPr lang="en-US" dirty="0" smtClean="0"/>
+              <a:t>Combined object tracking techniques</a:t>
+            </a:r>
+          </a:p>
+          <a:p>
+            <a:pPr lvl="1"/>
+            <a:r>
+              <a:rPr lang="en-US" dirty="0" smtClean="0"/>
+              <a:t>Blobs</a:t>
+            </a:r>
+          </a:p>
+          <a:p>
+            <a:pPr lvl="2"/>
+            <a:r>
+              <a:rPr lang="en-US" dirty="0" smtClean="0"/>
+              <a:t>The blobs command is a predetermined script that allows for object detection. </a:t>
+            </a:r>
+          </a:p>
+          <a:p>
+            <a:pPr lvl="2"/>
+            <a:r>
+              <a:rPr lang="en-US" dirty="0" smtClean="0"/>
+              <a:t>By implementing this command we do not have to re-invent the wheel.</a:t>
+            </a:r>
+          </a:p>
+          <a:p>
+            <a:pPr lvl="2"/>
+            <a:r>
+              <a:rPr lang="en-US" dirty="0" smtClean="0"/>
+              <a:t>Ability to detect different geometric shapes, color, edges, data each blob contains.</a:t>
+            </a:r>
+          </a:p>
+          <a:p>
+            <a:pPr lvl="1"/>
+            <a:r>
+              <a:rPr lang="en-US" dirty="0" smtClean="0"/>
+              <a:t>Camera/Display</a:t>
+            </a:r>
+          </a:p>
+          <a:p>
+            <a:pPr lvl="2"/>
+            <a:r>
+              <a:rPr lang="en-US" dirty="0" smtClean="0"/>
+              <a:t>Allow the use to open and manipulate video through display</a:t>
+            </a:r>
+          </a:p>
+          <a:p>
+            <a:pPr lvl="1"/>
+            <a:r>
+              <a:rPr lang="en-US" dirty="0" smtClean="0"/>
+              <a:t>Image Processing</a:t>
+            </a:r>
+          </a:p>
+          <a:p>
+            <a:pPr lvl="2"/>
+            <a:r>
+              <a:rPr lang="en-US" dirty="0" smtClean="0"/>
+              <a:t>HSV and RGB color schemes</a:t>
+            </a:r>
+          </a:p>
+          <a:p>
+            <a:pPr lvl="2"/>
+            <a:r>
+              <a:rPr lang="en-US" dirty="0" err="1" smtClean="0"/>
+              <a:t>Historgrams</a:t>
+            </a:r>
+            <a:endParaRPr lang="en-US" dirty="0" smtClean="0"/>
+          </a:p>
+          <a:p>
+            <a:pPr lvl="2"/>
+            <a:r>
+              <a:rPr lang="en-US" dirty="0" smtClean="0"/>
+              <a:t>Image segmentation</a:t>
+            </a:r>
+          </a:p>
+          <a:p>
+            <a:pPr lvl="2"/>
+            <a:endParaRPr lang="en-US" dirty="0" smtClean="0"/>
+          </a:p>
+          <a:p>
+            <a:pPr lvl="2"/>
+            <a:endParaRPr lang="en-US" dirty="0"/>
+          </a:p>
+          <a:p>
+            <a:pPr marL="457200" lvl="1" indent="0">
+              <a:buNone/>
+            </a:pPr>
+            <a:endParaRPr lang="en-US" dirty="0" smtClean="0"/>
+          </a:p>
+        </p:txBody>
+      </p:sp>
+    </p:spTree>
+    <p:extLst>
+      <p:ext uri="{BB962C8B-B14F-4D97-AF65-F5344CB8AC3E}">
+        <p14:creationId xmlns:p14="http://schemas.microsoft.com/office/powerpoint/2010/main" val="713381473"/>
+      </p:ext>
+    </p:extLst>
+  </p:cSld>
+  <p:clrMapOvr>
+    <a:masterClrMapping/>
+  </p:clrMapOvr>
+  <p:timing>
+    <p:tnLst>
+      <p:par>
+        <p:cTn id="1" dur="indefinite" restart="never" nodeType="tmRoot"/>
+      </p:par>
+    </p:tnLst>
+  </p:timing>
+</p:sld>
+</file>
+
+<file path=ppt/slides/slide7.xml><?xml version="1.0" encoding="utf-8"?>
+<p:sld xmlns:a="http://schemas.openxmlformats.org/drawingml/2006/main" xmlns:r="http://schemas.openxmlformats.org/officeDocument/2006/relationships" xmlns:p="http://schemas.openxmlformats.org/presentationml/2006/main">
+  <p:cSld>
+    <p:spTree>
+      <p:nvGrpSpPr>
+        <p:cNvPr id="1" name=""/>
+        <p:cNvGrpSpPr/>
+        <p:nvPr/>
+      </p:nvGrpSpPr>
+      <p:grpSpPr>
+        <a:xfrm>
+          <a:off x="0" y="0"/>
+          <a:ext cx="0" cy="0"/>
+          <a:chOff x="0" y="0"/>
+          <a:chExt cx="0" cy="0"/>
+        </a:xfrm>
+      </p:grpSpPr>
+      <p:sp>
+        <p:nvSpPr>
+          <p:cNvPr id="2" name="Title 1"/>
+          <p:cNvSpPr>
+            <a:spLocks noGrp="1"/>
+          </p:cNvSpPr>
+          <p:nvPr>
+            <p:ph type="title"/>
+          </p:nvPr>
+        </p:nvSpPr>
+        <p:spPr/>
+        <p:txBody>
+          <a:bodyPr/>
+          <a:lstStyle/>
+          <a:p>
+            <a:r>
+              <a:rPr lang="en-US" dirty="0" smtClean="0"/>
+              <a:t>Object Tracking</a:t>
+            </a:r>
+            <a:endParaRPr lang="en-US" dirty="0"/>
+          </a:p>
+        </p:txBody>
+      </p:sp>
       <p:pic>
         <p:nvPicPr>
           <p:cNvPr id="4" name="Content Placeholder 3"/>
@@ -8244,180 +8418,6 @@
   <p:clrMapOvr>
     <a:masterClrMapping/>
   </p:clrMapOvr>
-</p:sld>
-</file>
-
-<file path=ppt/slides/slide7.xml><?xml version="1.0" encoding="utf-8"?>
-<p:sld xmlns:a="http://schemas.openxmlformats.org/drawingml/2006/main" xmlns:r="http://schemas.openxmlformats.org/officeDocument/2006/relationships" xmlns:p="http://schemas.openxmlformats.org/presentationml/2006/main">
-  <p:cSld>
-    <p:spTree>
-      <p:nvGrpSpPr>
-        <p:cNvPr id="1" name=""/>
-        <p:cNvGrpSpPr/>
-        <p:nvPr/>
-      </p:nvGrpSpPr>
-      <p:grpSpPr>
-        <a:xfrm>
-          <a:off x="0" y="0"/>
-          <a:ext cx="0" cy="0"/>
-          <a:chOff x="0" y="0"/>
-          <a:chExt cx="0" cy="0"/>
-        </a:xfrm>
-      </p:grpSpPr>
-      <p:sp>
-        <p:nvSpPr>
-          <p:cNvPr id="2" name="Title 1"/>
-          <p:cNvSpPr>
-            <a:spLocks noGrp="1"/>
-          </p:cNvSpPr>
-          <p:nvPr>
-            <p:ph type="title"/>
-          </p:nvPr>
-        </p:nvSpPr>
-        <p:spPr/>
-        <p:txBody>
-          <a:bodyPr/>
-          <a:lstStyle/>
-          <a:p>
-            <a:r>
-              <a:rPr lang="en-US" dirty="0" smtClean="0"/>
-              <a:t>Object Tracking</a:t>
-            </a:r>
-            <a:endParaRPr lang="en-US" dirty="0"/>
-          </a:p>
-        </p:txBody>
-      </p:sp>
-      <p:sp>
-        <p:nvSpPr>
-          <p:cNvPr id="3" name="Content Placeholder 2"/>
-          <p:cNvSpPr>
-            <a:spLocks noGrp="1"/>
-          </p:cNvSpPr>
-          <p:nvPr>
-            <p:ph idx="1"/>
-          </p:nvPr>
-        </p:nvSpPr>
-        <p:spPr>
-          <a:xfrm>
-            <a:off x="646111" y="1587952"/>
-            <a:ext cx="8946541" cy="4195481"/>
-          </a:xfrm>
-        </p:spPr>
-        <p:txBody>
-          <a:bodyPr>
-            <a:normAutofit lnSpcReduction="10000"/>
-          </a:bodyPr>
-          <a:lstStyle/>
-          <a:p>
-            <a:r>
-              <a:rPr lang="en-US" dirty="0" smtClean="0"/>
-              <a:t>Combined object tracking techniques</a:t>
-            </a:r>
-          </a:p>
-          <a:p>
-            <a:pPr lvl="1"/>
-            <a:r>
-              <a:rPr lang="en-US" dirty="0" smtClean="0"/>
-              <a:t>Blobs</a:t>
-            </a:r>
-          </a:p>
-          <a:p>
-            <a:pPr lvl="2"/>
-            <a:r>
-              <a:rPr lang="en-US" dirty="0" smtClean="0"/>
-              <a:t>The blobs command is a predetermined script that allows for object detection. </a:t>
-            </a:r>
-          </a:p>
-          <a:p>
-            <a:pPr lvl="2"/>
-            <a:r>
-              <a:rPr lang="en-US" dirty="0" smtClean="0"/>
-              <a:t>By implementing this command we do not have to re-invent the wheel.</a:t>
-            </a:r>
-          </a:p>
-          <a:p>
-            <a:pPr lvl="2"/>
-            <a:r>
-              <a:rPr lang="en-US" dirty="0" smtClean="0"/>
-              <a:t>Ability to detect different geometric shapes, color, edges, data each blob contains.</a:t>
-            </a:r>
-          </a:p>
-          <a:p>
-            <a:pPr lvl="1"/>
-            <a:r>
-              <a:rPr lang="en-US" dirty="0" smtClean="0"/>
-              <a:t>Camera/Display</a:t>
-            </a:r>
-          </a:p>
-          <a:p>
-            <a:pPr lvl="2"/>
-            <a:r>
-              <a:rPr lang="en-US" dirty="0" smtClean="0"/>
-              <a:t>Allow the use to open and manipulate video through display</a:t>
-            </a:r>
-          </a:p>
-          <a:p>
-            <a:pPr lvl="1"/>
-            <a:r>
-              <a:rPr lang="en-US" dirty="0" smtClean="0"/>
-              <a:t>Image Processing</a:t>
-            </a:r>
-          </a:p>
-          <a:p>
-            <a:pPr lvl="2"/>
-            <a:r>
-              <a:rPr lang="en-US" dirty="0" smtClean="0"/>
-              <a:t>HSV and RGB color schemes</a:t>
-            </a:r>
-          </a:p>
-          <a:p>
-            <a:pPr lvl="2"/>
-            <a:r>
-              <a:rPr lang="en-US" dirty="0" err="1" smtClean="0"/>
-              <a:t>Historgrams</a:t>
-            </a:r>
-            <a:endParaRPr lang="en-US" dirty="0" smtClean="0"/>
-          </a:p>
-          <a:p>
-            <a:pPr lvl="2"/>
-            <a:r>
-              <a:rPr lang="en-US" dirty="0" smtClean="0"/>
-              <a:t>Image segmentation</a:t>
-            </a:r>
-          </a:p>
-          <a:p>
-            <a:pPr lvl="2"/>
-            <a:endParaRPr lang="en-US" dirty="0" smtClean="0"/>
-          </a:p>
-          <a:p>
-            <a:pPr lvl="2"/>
-            <a:endParaRPr lang="en-US" dirty="0"/>
-          </a:p>
-          <a:p>
-            <a:pPr marL="457200" lvl="1" indent="0">
-              <a:buNone/>
-            </a:pPr>
-            <a:endParaRPr lang="en-US" dirty="0" smtClean="0"/>
-          </a:p>
-        </p:txBody>
-      </p:sp>
-    </p:spTree>
-    <p:extLst>
-      <p:ext uri="{BB962C8B-B14F-4D97-AF65-F5344CB8AC3E}">
-        <p14:creationId xmlns:p14="http://schemas.microsoft.com/office/powerpoint/2010/main" val="713381473"/>
-      </p:ext>
-    </p:extLst>
-  </p:cSld>
-  <p:clrMapOvr>
-    <a:masterClrMapping/>
-  </p:clrMapOvr>
-  <p:timing>
-    <p:tnLst>
-      <p:par>
-        <p:cTn id="1" dur="indefinite" restart="never" nodeType="tmRoot"/>
-      </p:par>
-    </p:tnLst>
-  </p:timing>
 </p:sld>
 </file>
 
